--- a/Day 1/Slides/3. Variables, Data Types, and Math Operators/variables-data-types-and-math-operators-slides.pptx
+++ b/Day 1/Slides/3. Variables, Data Types, and Math Operators/variables-data-types-and-math-operators-slides.pptx
@@ -5,37 +5,37 @@
     <p:sldMasterId id="2147483648" r:id="rId1"/>
   </p:sldMasterIdLst>
   <p:notesMasterIdLst>
-    <p:notesMasterId r:id="rId7"/>
+    <p:notesMasterId r:id="rId30"/>
   </p:notesMasterIdLst>
   <p:sldIdLst>
-    <p:sldId id="256" r:id="rId3"/>
-    <p:sldId id="257" r:id="rId4"/>
-    <p:sldId id="258" r:id="rId5"/>
-    <p:sldId id="259" r:id="rId6"/>
-    <p:sldId id="260" r:id="rId8"/>
-    <p:sldId id="261" r:id="rId9"/>
-    <p:sldId id="262" r:id="rId10"/>
-    <p:sldId id="263" r:id="rId11"/>
-    <p:sldId id="264" r:id="rId12"/>
-    <p:sldId id="265" r:id="rId13"/>
-    <p:sldId id="266" r:id="rId14"/>
-    <p:sldId id="267" r:id="rId15"/>
-    <p:sldId id="268" r:id="rId16"/>
-    <p:sldId id="269" r:id="rId17"/>
-    <p:sldId id="270" r:id="rId18"/>
-    <p:sldId id="271" r:id="rId19"/>
-    <p:sldId id="272" r:id="rId20"/>
-    <p:sldId id="273" r:id="rId21"/>
-    <p:sldId id="274" r:id="rId22"/>
-    <p:sldId id="275" r:id="rId23"/>
-    <p:sldId id="276" r:id="rId24"/>
-    <p:sldId id="277" r:id="rId25"/>
-    <p:sldId id="278" r:id="rId26"/>
-    <p:sldId id="279" r:id="rId27"/>
-    <p:sldId id="280" r:id="rId28"/>
-    <p:sldId id="281" r:id="rId29"/>
-    <p:sldId id="282" r:id="rId30"/>
-    <p:sldId id="283" r:id="rId31"/>
+    <p:sldId id="256" r:id="rId2"/>
+    <p:sldId id="257" r:id="rId3"/>
+    <p:sldId id="258" r:id="rId4"/>
+    <p:sldId id="259" r:id="rId5"/>
+    <p:sldId id="260" r:id="rId6"/>
+    <p:sldId id="261" r:id="rId7"/>
+    <p:sldId id="262" r:id="rId8"/>
+    <p:sldId id="263" r:id="rId9"/>
+    <p:sldId id="264" r:id="rId10"/>
+    <p:sldId id="265" r:id="rId11"/>
+    <p:sldId id="266" r:id="rId12"/>
+    <p:sldId id="267" r:id="rId13"/>
+    <p:sldId id="268" r:id="rId14"/>
+    <p:sldId id="269" r:id="rId15"/>
+    <p:sldId id="270" r:id="rId16"/>
+    <p:sldId id="271" r:id="rId17"/>
+    <p:sldId id="272" r:id="rId18"/>
+    <p:sldId id="273" r:id="rId19"/>
+    <p:sldId id="274" r:id="rId20"/>
+    <p:sldId id="275" r:id="rId21"/>
+    <p:sldId id="276" r:id="rId22"/>
+    <p:sldId id="277" r:id="rId23"/>
+    <p:sldId id="278" r:id="rId24"/>
+    <p:sldId id="279" r:id="rId25"/>
+    <p:sldId id="280" r:id="rId26"/>
+    <p:sldId id="281" r:id="rId27"/>
+    <p:sldId id="282" r:id="rId28"/>
+    <p:sldId id="283" r:id="rId29"/>
   </p:sldIdLst>
   <p:sldSz cx="12192000" cy="6858000"/>
   <p:notesSz cx="12192000" cy="6858000"/>
@@ -131,6 +131,22 @@
       </a:defRPr>
     </a:lvl9pPr>
   </p:defaultTextStyle>
+  <p:extLst>
+    <p:ext uri="{EFAFB233-063F-42B5-8137-9DF3F51BA10A}">
+      <p15:sldGuideLst xmlns:p15="http://schemas.microsoft.com/office/powerpoint/2012/main">
+        <p15:guide id="1" orient="horz" pos="2901">
+          <p15:clr>
+            <a:srgbClr val="A4A3A4"/>
+          </p15:clr>
+        </p15:guide>
+        <p15:guide id="2" pos="2160">
+          <p15:clr>
+            <a:srgbClr val="A4A3A4"/>
+          </p15:clr>
+        </p15:guide>
+      </p15:sldGuideLst>
+    </p:ext>
+  </p:extLst>
 </p:presentation>
 </file>
 
@@ -216,6 +232,7 @@
           <a:p>
             <a:fld id="{3EFD42F7-718C-4B98-AAEC-167E6DDD60A7}" type="datetimeFigureOut">
               <a:rPr lang="en-US" smtClean="0"/>
+              <a:t>8/4/2023</a:t>
             </a:fld>
             <a:endParaRPr lang="en-US"/>
           </a:p>
@@ -279,42 +296,37 @@
           <a:p>
             <a:pPr lvl="0"/>
             <a:r>
-              <a:rPr lang="en-US" smtClean="0"/>
+              <a:rPr lang="en-US"/>
               <a:t>Click to edit Master text styles</a:t>
             </a:r>
-            <a:endParaRPr lang="en-US" smtClean="0"/>
           </a:p>
           <a:p>
             <a:pPr lvl="1"/>
             <a:r>
-              <a:rPr lang="en-US" smtClean="0"/>
+              <a:rPr lang="en-US"/>
               <a:t>Second level</a:t>
             </a:r>
-            <a:endParaRPr lang="en-US" smtClean="0"/>
           </a:p>
           <a:p>
             <a:pPr lvl="2"/>
             <a:r>
-              <a:rPr lang="en-US" smtClean="0"/>
+              <a:rPr lang="en-US"/>
               <a:t>Third level</a:t>
             </a:r>
-            <a:endParaRPr lang="en-US" smtClean="0"/>
           </a:p>
           <a:p>
             <a:pPr lvl="3"/>
             <a:r>
-              <a:rPr lang="en-US" smtClean="0"/>
+              <a:rPr lang="en-US"/>
               <a:t>Fourth level</a:t>
             </a:r>
-            <a:endParaRPr lang="en-US" smtClean="0"/>
           </a:p>
           <a:p>
             <a:pPr lvl="4"/>
             <a:r>
-              <a:rPr lang="en-US" smtClean="0"/>
+              <a:rPr lang="en-US"/>
               <a:t>Fifth level</a:t>
             </a:r>
-            <a:endParaRPr lang="en-US"/>
           </a:p>
         </p:txBody>
       </p:sp>
@@ -378,6 +390,7 @@
           <a:p>
             <a:fld id="{21B2AA4F-B828-4D7C-AFD3-893933DAFCB4}" type="slidenum">
               <a:rPr lang="en-US" smtClean="0"/>
+              <a:t>‹#›</a:t>
             </a:fld>
             <a:endParaRPr lang="en-US"/>
           </a:p>
@@ -490,11 +503,20 @@
         <p:cNvGrpSpPr/>
         <p:nvPr/>
       </p:nvGrpSpPr>
-      <p:grpSpPr/>
+      <p:grpSpPr>
+        <a:xfrm>
+          <a:off x="0" y="0"/>
+          <a:ext cx="0" cy="0"/>
+          <a:chOff x="0" y="0"/>
+          <a:chExt cx="0" cy="0"/>
+        </a:xfrm>
+      </p:grpSpPr>
       <p:sp>
         <p:nvSpPr>
           <p:cNvPr id="2" name="Slide Image Placeholder 1"/>
-          <p:cNvSpPr/>
+          <p:cNvSpPr>
+            <a:spLocks noGrp="1" noRot="1" noChangeAspect="1"/>
+          </p:cNvSpPr>
           <p:nvPr>
             <p:ph type="sldImg" idx="2"/>
           </p:nvPr>
@@ -504,7 +526,9 @@
       <p:sp>
         <p:nvSpPr>
           <p:cNvPr id="3" name="Text Placeholder 2"/>
-          <p:cNvSpPr/>
+          <p:cNvSpPr>
+            <a:spLocks noGrp="1"/>
+          </p:cNvSpPr>
           <p:nvPr>
             <p:ph type="body" idx="3"/>
           </p:nvPr>
@@ -512,6 +536,7 @@
         <p:spPr/>
         <p:txBody>
           <a:bodyPr/>
+          <a:lstStyle/>
           <a:p>
             <a:endParaRPr lang="en-US"/>
           </a:p>
@@ -570,7 +595,9 @@
               <a:defRPr/>
             </a:lvl1pPr>
           </a:lstStyle>
-          <a:p/>
+          <a:p>
+            <a:endParaRPr/>
+          </a:p>
         </p:txBody>
       </p:sp>
       <p:sp>
@@ -601,7 +628,9 @@
               <a:defRPr/>
             </a:lvl1pPr>
           </a:lstStyle>
-          <a:p/>
+          <a:p>
+            <a:endParaRPr/>
+          </a:p>
         </p:txBody>
       </p:sp>
       <p:sp>
@@ -628,7 +657,9 @@
               </a:defRPr>
             </a:lvl1pPr>
           </a:lstStyle>
-          <a:p/>
+          <a:p>
+            <a:endParaRPr/>
+          </a:p>
         </p:txBody>
       </p:sp>
       <p:sp>
@@ -658,6 +689,7 @@
           <a:p>
             <a:fld id="{1D8BD707-D9CF-40AE-B4C6-C98DA3205C09}" type="datetimeFigureOut">
               <a:rPr lang="en-US"/>
+              <a:t>8/4/2023</a:t>
             </a:fld>
             <a:endParaRPr lang="en-US"/>
           </a:p>
@@ -690,6 +722,7 @@
           <a:p>
             <a:fld id="{B6F15528-21DE-4FAA-801E-634DDDAF4B2B}" type="slidenum">
               <a:rPr/>
+              <a:t>‹#›</a:t>
             </a:fld>
             <a:endParaRPr/>
           </a:p>
@@ -705,7 +738,7 @@
 </file>
 
 <file path=ppt/slideLayouts/slideLayout2.xml><?xml version="1.0" encoding="utf-8"?>
-<p:sldLayout xmlns:a="http://schemas.openxmlformats.org/drawingml/2006/main" xmlns:r="http://schemas.openxmlformats.org/officeDocument/2006/relationships" xmlns:p="http://schemas.openxmlformats.org/presentationml/2006/main" type="obj" preserve="1" showMasterSp="0">
+<p:sldLayout xmlns:a="http://schemas.openxmlformats.org/drawingml/2006/main" xmlns:r="http://schemas.openxmlformats.org/officeDocument/2006/relationships" xmlns:p="http://schemas.openxmlformats.org/presentationml/2006/main" showMasterSp="0" type="obj" preserve="1">
   <p:cSld name="Title and Content">
     <p:bg>
       <p:bgPr>
@@ -774,7 +807,9 @@
         <p:txBody>
           <a:bodyPr wrap="square" lIns="0" tIns="0" rIns="0" bIns="0" rtlCol="0"/>
           <a:lstStyle/>
-          <a:p/>
+          <a:p>
+            <a:endParaRPr/>
+          </a:p>
         </p:txBody>
       </p:sp>
       <p:sp>
@@ -801,7 +836,9 @@
               </a:defRPr>
             </a:lvl1pPr>
           </a:lstStyle>
-          <a:p/>
+          <a:p>
+            <a:endParaRPr/>
+          </a:p>
         </p:txBody>
       </p:sp>
       <p:sp>
@@ -826,7 +863,9 @@
               </a:defRPr>
             </a:lvl1pPr>
           </a:lstStyle>
-          <a:p/>
+          <a:p>
+            <a:endParaRPr/>
+          </a:p>
         </p:txBody>
       </p:sp>
       <p:sp>
@@ -853,7 +892,9 @@
               </a:defRPr>
             </a:lvl1pPr>
           </a:lstStyle>
-          <a:p/>
+          <a:p>
+            <a:endParaRPr/>
+          </a:p>
         </p:txBody>
       </p:sp>
       <p:sp>
@@ -883,6 +924,7 @@
           <a:p>
             <a:fld id="{1D8BD707-D9CF-40AE-B4C6-C98DA3205C09}" type="datetimeFigureOut">
               <a:rPr lang="en-US"/>
+              <a:t>8/4/2023</a:t>
             </a:fld>
             <a:endParaRPr lang="en-US"/>
           </a:p>
@@ -915,6 +957,7 @@
           <a:p>
             <a:fld id="{B6F15528-21DE-4FAA-801E-634DDDAF4B2B}" type="slidenum">
               <a:rPr/>
+              <a:t>‹#›</a:t>
             </a:fld>
             <a:endParaRPr/>
           </a:p>
@@ -970,7 +1013,9 @@
               </a:defRPr>
             </a:lvl1pPr>
           </a:lstStyle>
-          <a:p/>
+          <a:p>
+            <a:endParaRPr/>
+          </a:p>
         </p:txBody>
       </p:sp>
       <p:sp>
@@ -1001,7 +1046,9 @@
               <a:defRPr/>
             </a:lvl1pPr>
           </a:lstStyle>
-          <a:p/>
+          <a:p>
+            <a:endParaRPr/>
+          </a:p>
         </p:txBody>
       </p:sp>
       <p:sp>
@@ -1032,7 +1079,9 @@
               <a:defRPr/>
             </a:lvl1pPr>
           </a:lstStyle>
-          <a:p/>
+          <a:p>
+            <a:endParaRPr/>
+          </a:p>
         </p:txBody>
       </p:sp>
       <p:sp>
@@ -1059,7 +1108,9 @@
               </a:defRPr>
             </a:lvl1pPr>
           </a:lstStyle>
-          <a:p/>
+          <a:p>
+            <a:endParaRPr/>
+          </a:p>
         </p:txBody>
       </p:sp>
       <p:sp>
@@ -1089,6 +1140,7 @@
           <a:p>
             <a:fld id="{1D8BD707-D9CF-40AE-B4C6-C98DA3205C09}" type="datetimeFigureOut">
               <a:rPr lang="en-US"/>
+              <a:t>8/4/2023</a:t>
             </a:fld>
             <a:endParaRPr lang="en-US"/>
           </a:p>
@@ -1121,6 +1173,7 @@
           <a:p>
             <a:fld id="{B6F15528-21DE-4FAA-801E-634DDDAF4B2B}" type="slidenum">
               <a:rPr/>
+              <a:t>‹#›</a:t>
             </a:fld>
             <a:endParaRPr/>
           </a:p>
@@ -1136,7 +1189,7 @@
 </file>
 
 <file path=ppt/slideLayouts/slideLayout4.xml><?xml version="1.0" encoding="utf-8"?>
-<p:sldLayout xmlns:a="http://schemas.openxmlformats.org/drawingml/2006/main" xmlns:r="http://schemas.openxmlformats.org/officeDocument/2006/relationships" xmlns:p="http://schemas.openxmlformats.org/presentationml/2006/main" type="obj" preserve="1" showMasterSp="0">
+<p:sldLayout xmlns:a="http://schemas.openxmlformats.org/drawingml/2006/main" xmlns:r="http://schemas.openxmlformats.org/officeDocument/2006/relationships" xmlns:p="http://schemas.openxmlformats.org/presentationml/2006/main" showMasterSp="0" type="obj" preserve="1">
   <p:cSld name="Title Only">
     <p:bg>
       <p:bgPr>
@@ -1205,7 +1258,9 @@
         <p:txBody>
           <a:bodyPr wrap="square" lIns="0" tIns="0" rIns="0" bIns="0" rtlCol="0"/>
           <a:lstStyle/>
-          <a:p/>
+          <a:p>
+            <a:endParaRPr/>
+          </a:p>
         </p:txBody>
       </p:sp>
       <p:sp>
@@ -1232,7 +1287,9 @@
               </a:defRPr>
             </a:lvl1pPr>
           </a:lstStyle>
-          <a:p/>
+          <a:p>
+            <a:endParaRPr/>
+          </a:p>
         </p:txBody>
       </p:sp>
       <p:sp>
@@ -1259,7 +1316,9 @@
               </a:defRPr>
             </a:lvl1pPr>
           </a:lstStyle>
-          <a:p/>
+          <a:p>
+            <a:endParaRPr/>
+          </a:p>
         </p:txBody>
       </p:sp>
       <p:sp>
@@ -1289,6 +1348,7 @@
           <a:p>
             <a:fld id="{1D8BD707-D9CF-40AE-B4C6-C98DA3205C09}" type="datetimeFigureOut">
               <a:rPr lang="en-US"/>
+              <a:t>8/4/2023</a:t>
             </a:fld>
             <a:endParaRPr lang="en-US"/>
           </a:p>
@@ -1321,6 +1381,7 @@
           <a:p>
             <a:fld id="{B6F15528-21DE-4FAA-801E-634DDDAF4B2B}" type="slidenum">
               <a:rPr/>
+              <a:t>‹#›</a:t>
             </a:fld>
             <a:endParaRPr/>
           </a:p>
@@ -1376,7 +1437,9 @@
               </a:defRPr>
             </a:lvl1pPr>
           </a:lstStyle>
-          <a:p/>
+          <a:p>
+            <a:endParaRPr/>
+          </a:p>
         </p:txBody>
       </p:sp>
       <p:sp>
@@ -1406,6 +1469,7 @@
           <a:p>
             <a:fld id="{1D8BD707-D9CF-40AE-B4C6-C98DA3205C09}" type="datetimeFigureOut">
               <a:rPr lang="en-US"/>
+              <a:t>8/4/2023</a:t>
             </a:fld>
             <a:endParaRPr lang="en-US"/>
           </a:p>
@@ -1438,6 +1502,7 @@
           <a:p>
             <a:fld id="{B6F15528-21DE-4FAA-801E-634DDDAF4B2B}" type="slidenum">
               <a:rPr/>
+              <a:t>‹#›</a:t>
             </a:fld>
             <a:endParaRPr/>
           </a:p>
@@ -1511,7 +1576,9 @@
               </a:defRPr>
             </a:lvl1pPr>
           </a:lstStyle>
-          <a:p/>
+          <a:p>
+            <a:endParaRPr/>
+          </a:p>
         </p:txBody>
       </p:sp>
       <p:sp>
@@ -1546,7 +1613,9 @@
               </a:defRPr>
             </a:lvl1pPr>
           </a:lstStyle>
-          <a:p/>
+          <a:p>
+            <a:endParaRPr/>
+          </a:p>
         </p:txBody>
       </p:sp>
       <p:sp>
@@ -1583,7 +1652,9 @@
               </a:defRPr>
             </a:lvl1pPr>
           </a:lstStyle>
-          <a:p/>
+          <a:p>
+            <a:endParaRPr/>
+          </a:p>
         </p:txBody>
       </p:sp>
       <p:sp>
@@ -1623,6 +1694,7 @@
           <a:p>
             <a:fld id="{1D8BD707-D9CF-40AE-B4C6-C98DA3205C09}" type="datetimeFigureOut">
               <a:rPr lang="en-US"/>
+              <a:t>8/4/2023</a:t>
             </a:fld>
             <a:endParaRPr lang="en-US"/>
           </a:p>
@@ -1665,6 +1737,7 @@
           <a:p>
             <a:fld id="{B6F15528-21DE-4FAA-801E-634DDDAF4B2B}" type="slidenum">
               <a:rPr/>
+              <a:t>‹#›</a:t>
             </a:fld>
             <a:endParaRPr/>
           </a:p>
@@ -1849,7 +1922,7 @@
           <p:nvPr/>
         </p:nvPicPr>
         <p:blipFill>
-          <a:blip r:embed="rId1" cstate="print"/>
+          <a:blip r:embed="rId2" cstate="print"/>
           <a:stretch>
             <a:fillRect/>
           </a:stretch>
@@ -1871,7 +1944,7 @@
           <p:nvPr/>
         </p:nvPicPr>
         <p:blipFill>
-          <a:blip r:embed="rId2" cstate="print"/>
+          <a:blip r:embed="rId3" cstate="print"/>
           <a:stretch>
             <a:fillRect/>
           </a:stretch>
@@ -1893,7 +1966,7 @@
           <p:nvPr/>
         </p:nvPicPr>
         <p:blipFill>
-          <a:blip r:embed="rId3" cstate="print"/>
+          <a:blip r:embed="rId4" cstate="print"/>
           <a:stretch>
             <a:fillRect/>
           </a:stretch>
@@ -1921,9 +1994,11 @@
         <p:spPr/>
         <p:txBody>
           <a:bodyPr/>
+          <a:lstStyle/>
           <a:p>
             <a:fld id="{B6F15528-21DE-4FAA-801E-634DDDAF4B2B}" type="slidenum">
               <a:rPr/>
+              <a:t>1</a:t>
             </a:fld>
             <a:endParaRPr/>
           </a:p>
@@ -2027,7 +2102,6 @@
               <a:rPr spc="-5" dirty="0"/>
               <a:t>;</a:t>
             </a:r>
-            <a:endParaRPr spc="-5" dirty="0"/>
           </a:p>
           <a:p>
             <a:pPr marL="12700" marR="5080">
@@ -2106,7 +2180,6 @@
               <a:rPr spc="-5" dirty="0"/>
               <a:t>;</a:t>
             </a:r>
-            <a:endParaRPr spc="-5" dirty="0"/>
           </a:p>
         </p:txBody>
       </p:sp>
@@ -2117,7 +2190,7 @@
           <p:nvPr/>
         </p:nvPicPr>
         <p:blipFill>
-          <a:blip r:embed="rId1" cstate="print"/>
+          <a:blip r:embed="rId2" cstate="print"/>
           <a:stretch>
             <a:fillRect/>
           </a:stretch>
@@ -2139,7 +2212,7 @@
           <p:nvPr/>
         </p:nvPicPr>
         <p:blipFill>
-          <a:blip r:embed="rId2" cstate="print"/>
+          <a:blip r:embed="rId3" cstate="print"/>
           <a:stretch>
             <a:fillRect/>
           </a:stretch>
@@ -2164,7 +2237,7 @@
         </p:nvGraphicFramePr>
         <p:xfrm>
           <a:off x="552742" y="5259451"/>
-          <a:ext cx="10871835" cy="1208405"/>
+          <a:ext cx="10852148" cy="1195081"/>
         </p:xfrm>
         <a:graphic>
           <a:graphicData uri="http://schemas.openxmlformats.org/drawingml/2006/table">
@@ -2173,11 +2246,41 @@
                 <a:tableStyleId>{2D5ABB26-0587-4C30-8999-92F81FD0307C}</a:tableStyleId>
               </a:tblPr>
               <a:tblGrid>
-                <a:gridCol w="1102360"/>
-                <a:gridCol w="762635"/>
-                <a:gridCol w="3296920"/>
-                <a:gridCol w="3338829"/>
-                <a:gridCol w="2351404"/>
+                <a:gridCol w="1102360">
+                  <a:extLst>
+                    <a:ext uri="{9D8B030D-6E8A-4147-A177-3AD203B41FA5}">
+                      <a16:colId xmlns:a16="http://schemas.microsoft.com/office/drawing/2014/main" val="20000"/>
+                    </a:ext>
+                  </a:extLst>
+                </a:gridCol>
+                <a:gridCol w="762635">
+                  <a:extLst>
+                    <a:ext uri="{9D8B030D-6E8A-4147-A177-3AD203B41FA5}">
+                      <a16:colId xmlns:a16="http://schemas.microsoft.com/office/drawing/2014/main" val="20001"/>
+                    </a:ext>
+                  </a:extLst>
+                </a:gridCol>
+                <a:gridCol w="3296920">
+                  <a:extLst>
+                    <a:ext uri="{9D8B030D-6E8A-4147-A177-3AD203B41FA5}">
+                      <a16:colId xmlns:a16="http://schemas.microsoft.com/office/drawing/2014/main" val="20002"/>
+                    </a:ext>
+                  </a:extLst>
+                </a:gridCol>
+                <a:gridCol w="3338829">
+                  <a:extLst>
+                    <a:ext uri="{9D8B030D-6E8A-4147-A177-3AD203B41FA5}">
+                      <a16:colId xmlns:a16="http://schemas.microsoft.com/office/drawing/2014/main" val="20003"/>
+                    </a:ext>
+                  </a:extLst>
+                </a:gridCol>
+                <a:gridCol w="2351404">
+                  <a:extLst>
+                    <a:ext uri="{9D8B030D-6E8A-4147-A177-3AD203B41FA5}">
+                      <a16:colId xmlns:a16="http://schemas.microsoft.com/office/drawing/2014/main" val="20004"/>
+                    </a:ext>
+                  </a:extLst>
+                </a:gridCol>
               </a:tblGrid>
               <a:tr h="396252">
                 <a:tc>
@@ -2410,6 +2513,11 @@
                     </a:solidFill>
                   </a:tcPr>
                 </a:tc>
+                <a:extLst>
+                  <a:ext uri="{0D108BD9-81ED-4DB2-BD59-A6C34878D82A}">
+                    <a16:rowId xmlns:a16="http://schemas.microsoft.com/office/drawing/2014/main" val="10000"/>
+                  </a:ext>
+                </a:extLst>
               </a:tr>
               <a:tr h="396239">
                 <a:tc>
@@ -2612,6 +2720,11 @@
                     </a:solidFill>
                   </a:tcPr>
                 </a:tc>
+                <a:extLst>
+                  <a:ext uri="{0D108BD9-81ED-4DB2-BD59-A6C34878D82A}">
+                    <a16:rowId xmlns:a16="http://schemas.microsoft.com/office/drawing/2014/main" val="10001"/>
+                  </a:ext>
+                </a:extLst>
               </a:tr>
               <a:tr h="402590">
                 <a:tc>
@@ -2769,6 +2882,11 @@
                     </a:lnR>
                   </a:tcPr>
                 </a:tc>
+                <a:extLst>
+                  <a:ext uri="{0D108BD9-81ED-4DB2-BD59-A6C34878D82A}">
+                    <a16:rowId xmlns:a16="http://schemas.microsoft.com/office/drawing/2014/main" val="10002"/>
+                  </a:ext>
+                </a:extLst>
               </a:tr>
             </a:tbl>
           </a:graphicData>
@@ -2811,34 +2929,14 @@
         <p:txBody>
           <a:bodyPr wrap="square" lIns="0" tIns="0" rIns="0" bIns="0" rtlCol="0"/>
           <a:lstStyle/>
-          <a:p/>
+          <a:p>
+            <a:endParaRPr/>
+          </a:p>
         </p:txBody>
       </p:sp>
       <p:pic>
         <p:nvPicPr>
           <p:cNvPr id="7" name="object 7"/>
-          <p:cNvPicPr/>
-          <p:nvPr/>
-        </p:nvPicPr>
-        <p:blipFill>
-          <a:blip r:embed="rId3" cstate="print"/>
-          <a:stretch>
-            <a:fillRect/>
-          </a:stretch>
-        </p:blipFill>
-        <p:spPr>
-          <a:xfrm>
-            <a:off x="784859" y="5312968"/>
-            <a:ext cx="813816" cy="304800"/>
-          </a:xfrm>
-          <a:prstGeom prst="rect">
-            <a:avLst/>
-          </a:prstGeom>
-        </p:spPr>
-      </p:pic>
-      <p:pic>
-        <p:nvPicPr>
-          <p:cNvPr id="8" name="object 8"/>
           <p:cNvPicPr/>
           <p:nvPr/>
         </p:nvPicPr>
@@ -2850,8 +2948,8 @@
         </p:blipFill>
         <p:spPr>
           <a:xfrm>
-            <a:off x="1785492" y="5312968"/>
-            <a:ext cx="639191" cy="304800"/>
+            <a:off x="784859" y="5312968"/>
+            <a:ext cx="813816" cy="304800"/>
           </a:xfrm>
           <a:prstGeom prst="rect">
             <a:avLst/>
@@ -2860,7 +2958,7 @@
       </p:pic>
       <p:pic>
         <p:nvPicPr>
-          <p:cNvPr id="9" name="object 9"/>
+          <p:cNvPr id="8" name="object 8"/>
           <p:cNvPicPr/>
           <p:nvPr/>
         </p:nvPicPr>
@@ -2872,8 +2970,8 @@
         </p:blipFill>
         <p:spPr>
           <a:xfrm>
-            <a:off x="2521330" y="5312968"/>
-            <a:ext cx="3201289" cy="304800"/>
+            <a:off x="1785492" y="5312968"/>
+            <a:ext cx="639191" cy="304800"/>
           </a:xfrm>
           <a:prstGeom prst="rect">
             <a:avLst/>
@@ -2882,7 +2980,7 @@
       </p:pic>
       <p:pic>
         <p:nvPicPr>
-          <p:cNvPr id="10" name="object 10"/>
+          <p:cNvPr id="9" name="object 9"/>
           <p:cNvPicPr/>
           <p:nvPr/>
         </p:nvPicPr>
@@ -2894,8 +2992,8 @@
         </p:blipFill>
         <p:spPr>
           <a:xfrm>
-            <a:off x="5903721" y="5312968"/>
-            <a:ext cx="3110356" cy="304800"/>
+            <a:off x="2521330" y="5312968"/>
+            <a:ext cx="3201289" cy="304800"/>
           </a:xfrm>
           <a:prstGeom prst="rect">
             <a:avLst/>
@@ -2904,7 +3002,7 @@
       </p:pic>
       <p:pic>
         <p:nvPicPr>
-          <p:cNvPr id="11" name="object 11"/>
+          <p:cNvPr id="10" name="object 10"/>
           <p:cNvPicPr/>
           <p:nvPr/>
         </p:nvPicPr>
@@ -2916,8 +3014,8 @@
         </p:blipFill>
         <p:spPr>
           <a:xfrm>
-            <a:off x="9418955" y="5312968"/>
-            <a:ext cx="1773554" cy="304800"/>
+            <a:off x="5903721" y="5312968"/>
+            <a:ext cx="3110356" cy="304800"/>
           </a:xfrm>
           <a:prstGeom prst="rect">
             <a:avLst/>
@@ -2926,7 +3024,7 @@
       </p:pic>
       <p:pic>
         <p:nvPicPr>
-          <p:cNvPr id="12" name="object 12"/>
+          <p:cNvPr id="11" name="object 11"/>
           <p:cNvPicPr/>
           <p:nvPr/>
         </p:nvPicPr>
@@ -2938,6 +3036,28 @@
         </p:blipFill>
         <p:spPr>
           <a:xfrm>
+            <a:off x="9418955" y="5312968"/>
+            <a:ext cx="1773554" cy="304800"/>
+          </a:xfrm>
+          <a:prstGeom prst="rect">
+            <a:avLst/>
+          </a:prstGeom>
+        </p:spPr>
+      </p:pic>
+      <p:pic>
+        <p:nvPicPr>
+          <p:cNvPr id="12" name="object 12"/>
+          <p:cNvPicPr/>
+          <p:nvPr/>
+        </p:nvPicPr>
+        <p:blipFill>
+          <a:blip r:embed="rId9" cstate="print"/>
+          <a:stretch>
+            <a:fillRect/>
+          </a:stretch>
+        </p:blipFill>
+        <p:spPr>
+          <a:xfrm>
             <a:off x="650748" y="5709208"/>
             <a:ext cx="705916" cy="304800"/>
           </a:xfrm>
@@ -2953,7 +3073,7 @@
           <p:nvPr/>
         </p:nvPicPr>
         <p:blipFill>
-          <a:blip r:embed="rId9" cstate="print"/>
+          <a:blip r:embed="rId10" cstate="print"/>
           <a:stretch>
             <a:fillRect/>
           </a:stretch>
@@ -2989,7 +3109,7 @@
             <p:nvPr/>
           </p:nvPicPr>
           <p:blipFill>
-            <a:blip r:embed="rId10" cstate="print"/>
+            <a:blip r:embed="rId11" cstate="print"/>
             <a:stretch>
               <a:fillRect/>
             </a:stretch>
@@ -3011,7 +3131,7 @@
             <p:nvPr/>
           </p:nvPicPr>
           <p:blipFill>
-            <a:blip r:embed="rId11" cstate="print"/>
+            <a:blip r:embed="rId12" cstate="print"/>
             <a:stretch>
               <a:fillRect/>
             </a:stretch>
@@ -3033,7 +3153,7 @@
             <p:nvPr/>
           </p:nvPicPr>
           <p:blipFill>
-            <a:blip r:embed="rId12" cstate="print"/>
+            <a:blip r:embed="rId13" cstate="print"/>
             <a:stretch>
               <a:fillRect/>
             </a:stretch>
@@ -3070,7 +3190,7 @@
             <p:nvPr/>
           </p:nvPicPr>
           <p:blipFill>
-            <a:blip r:embed="rId13" cstate="print"/>
+            <a:blip r:embed="rId14" cstate="print"/>
             <a:stretch>
               <a:fillRect/>
             </a:stretch>
@@ -3092,7 +3212,7 @@
             <p:nvPr/>
           </p:nvPicPr>
           <p:blipFill>
-            <a:blip r:embed="rId14" cstate="print"/>
+            <a:blip r:embed="rId15" cstate="print"/>
             <a:stretch>
               <a:fillRect/>
             </a:stretch>
@@ -3115,7 +3235,7 @@
           <p:nvPr/>
         </p:nvPicPr>
         <p:blipFill>
-          <a:blip r:embed="rId15" cstate="print"/>
+          <a:blip r:embed="rId16" cstate="print"/>
           <a:stretch>
             <a:fillRect/>
           </a:stretch>
@@ -3137,7 +3257,7 @@
           <p:nvPr/>
         </p:nvPicPr>
         <p:blipFill>
-          <a:blip r:embed="rId16" cstate="print"/>
+          <a:blip r:embed="rId17" cstate="print"/>
           <a:stretch>
             <a:fillRect/>
           </a:stretch>
@@ -3159,7 +3279,7 @@
           <p:nvPr/>
         </p:nvPicPr>
         <p:blipFill>
-          <a:blip r:embed="rId17" cstate="print"/>
+          <a:blip r:embed="rId18" cstate="print"/>
           <a:stretch>
             <a:fillRect/>
           </a:stretch>
@@ -3195,7 +3315,7 @@
             <p:nvPr/>
           </p:nvPicPr>
           <p:blipFill>
-            <a:blip r:embed="rId18" cstate="print"/>
+            <a:blip r:embed="rId19" cstate="print"/>
             <a:stretch>
               <a:fillRect/>
             </a:stretch>
@@ -3217,7 +3337,7 @@
             <p:nvPr/>
           </p:nvPicPr>
           <p:blipFill>
-            <a:blip r:embed="rId19" cstate="print"/>
+            <a:blip r:embed="rId20" cstate="print"/>
             <a:stretch>
               <a:fillRect/>
             </a:stretch>
@@ -3239,7 +3359,7 @@
             <p:nvPr/>
           </p:nvPicPr>
           <p:blipFill>
-            <a:blip r:embed="rId20" cstate="print"/>
+            <a:blip r:embed="rId21" cstate="print"/>
             <a:stretch>
               <a:fillRect/>
             </a:stretch>
@@ -3276,7 +3396,7 @@
             <p:nvPr/>
           </p:nvPicPr>
           <p:blipFill>
-            <a:blip r:embed="rId21" cstate="print"/>
+            <a:blip r:embed="rId22" cstate="print"/>
             <a:stretch>
               <a:fillRect/>
             </a:stretch>
@@ -3298,7 +3418,7 @@
             <p:nvPr/>
           </p:nvPicPr>
           <p:blipFill>
-            <a:blip r:embed="rId22" cstate="print"/>
+            <a:blip r:embed="rId23" cstate="print"/>
             <a:stretch>
               <a:fillRect/>
             </a:stretch>
@@ -3321,7 +3441,7 @@
           <p:nvPr/>
         </p:nvPicPr>
         <p:blipFill>
-          <a:blip r:embed="rId23" cstate="print"/>
+          <a:blip r:embed="rId24" cstate="print"/>
           <a:stretch>
             <a:fillRect/>
           </a:stretch>
@@ -3349,9 +3469,11 @@
         <p:spPr/>
         <p:txBody>
           <a:bodyPr/>
+          <a:lstStyle/>
           <a:p>
             <a:fld id="{B6F15528-21DE-4FAA-801E-634DDDAF4B2B}" type="slidenum">
               <a:rPr/>
+              <a:t>10</a:t>
             </a:fld>
             <a:endParaRPr/>
           </a:p>
@@ -3427,7 +3549,9 @@
         <p:txBody>
           <a:bodyPr wrap="square" lIns="0" tIns="0" rIns="0" bIns="0" rtlCol="0"/>
           <a:lstStyle/>
-          <a:p/>
+          <a:p>
+            <a:endParaRPr/>
+          </a:p>
         </p:txBody>
       </p:sp>
       <p:sp>
@@ -3529,7 +3653,7 @@
               </a:rPr>
               <a:t>'U';</a:t>
             </a:r>
-            <a:endParaRPr sz="2000">
+            <a:endParaRPr sz="2000" dirty="0">
               <a:latin typeface="Courier New" panose="02070309020205020404"/>
               <a:cs typeface="Courier New" panose="02070309020205020404"/>
             </a:endParaRPr>
@@ -3643,7 +3767,7 @@
               </a:rPr>
               <a:t>Ú</a:t>
             </a:r>
-            <a:endParaRPr sz="2000">
+            <a:endParaRPr sz="2000" dirty="0">
               <a:latin typeface="Courier New" panose="02070309020205020404"/>
               <a:cs typeface="Courier New" panose="02070309020205020404"/>
             </a:endParaRPr>
@@ -3657,7 +3781,7 @@
           <p:nvPr/>
         </p:nvPicPr>
         <p:blipFill>
-          <a:blip r:embed="rId1" cstate="print"/>
+          <a:blip r:embed="rId2" cstate="print"/>
           <a:stretch>
             <a:fillRect/>
           </a:stretch>
@@ -3679,7 +3803,7 @@
           <p:nvPr/>
         </p:nvPicPr>
         <p:blipFill>
-          <a:blip r:embed="rId2" cstate="print"/>
+          <a:blip r:embed="rId3" cstate="print"/>
           <a:stretch>
             <a:fillRect/>
           </a:stretch>
@@ -3701,7 +3825,7 @@
           <p:nvPr/>
         </p:nvPicPr>
         <p:blipFill>
-          <a:blip r:embed="rId3" cstate="print"/>
+          <a:blip r:embed="rId4" cstate="print"/>
           <a:stretch>
             <a:fillRect/>
           </a:stretch>
@@ -3737,7 +3861,7 @@
             <p:nvPr/>
           </p:nvPicPr>
           <p:blipFill>
-            <a:blip r:embed="rId4" cstate="print"/>
+            <a:blip r:embed="rId5" cstate="print"/>
             <a:stretch>
               <a:fillRect/>
             </a:stretch>
@@ -3759,7 +3883,7 @@
             <p:nvPr/>
           </p:nvPicPr>
           <p:blipFill>
-            <a:blip r:embed="rId5" cstate="print"/>
+            <a:blip r:embed="rId6" cstate="print"/>
             <a:stretch>
               <a:fillRect/>
             </a:stretch>
@@ -3781,7 +3905,7 @@
             <p:nvPr/>
           </p:nvPicPr>
           <p:blipFill>
-            <a:blip r:embed="rId6" cstate="print"/>
+            <a:blip r:embed="rId7" cstate="print"/>
             <a:stretch>
               <a:fillRect/>
             </a:stretch>
@@ -3803,7 +3927,7 @@
             <p:nvPr/>
           </p:nvPicPr>
           <p:blipFill>
-            <a:blip r:embed="rId7" cstate="print"/>
+            <a:blip r:embed="rId8" cstate="print"/>
             <a:stretch>
               <a:fillRect/>
             </a:stretch>
@@ -3825,7 +3949,7 @@
             <p:nvPr/>
           </p:nvPicPr>
           <p:blipFill>
-            <a:blip r:embed="rId8" cstate="print"/>
+            <a:blip r:embed="rId9" cstate="print"/>
             <a:stretch>
               <a:fillRect/>
             </a:stretch>
@@ -3854,9 +3978,11 @@
         <p:spPr/>
         <p:txBody>
           <a:bodyPr/>
+          <a:lstStyle/>
           <a:p>
             <a:fld id="{B6F15528-21DE-4FAA-801E-634DDDAF4B2B}" type="slidenum">
               <a:rPr/>
+              <a:t>11</a:t>
             </a:fld>
             <a:endParaRPr/>
           </a:p>
@@ -3956,7 +4082,6 @@
               <a:rPr spc="-5" dirty="0"/>
               <a:t>true;</a:t>
             </a:r>
-            <a:endParaRPr spc="-5" dirty="0"/>
           </a:p>
         </p:txBody>
       </p:sp>
@@ -3967,7 +4092,7 @@
           <p:nvPr/>
         </p:nvPicPr>
         <p:blipFill>
-          <a:blip r:embed="rId1" cstate="print"/>
+          <a:blip r:embed="rId2" cstate="print"/>
           <a:stretch>
             <a:fillRect/>
           </a:stretch>
@@ -3989,7 +4114,7 @@
           <p:nvPr/>
         </p:nvPicPr>
         <p:blipFill>
-          <a:blip r:embed="rId2" cstate="print"/>
+          <a:blip r:embed="rId3" cstate="print"/>
           <a:stretch>
             <a:fillRect/>
           </a:stretch>
@@ -4011,7 +4136,7 @@
           <p:nvPr/>
         </p:nvPicPr>
         <p:blipFill>
-          <a:blip r:embed="rId3" cstate="print"/>
+          <a:blip r:embed="rId4" cstate="print"/>
           <a:stretch>
             <a:fillRect/>
           </a:stretch>
@@ -4039,9 +4164,11 @@
         <p:spPr/>
         <p:txBody>
           <a:bodyPr/>
+          <a:lstStyle/>
           <a:p>
             <a:fld id="{B6F15528-21DE-4FAA-801E-634DDDAF4B2B}" type="slidenum">
               <a:rPr/>
+              <a:t>12</a:t>
             </a:fld>
             <a:endParaRPr/>
           </a:p>
@@ -4141,7 +4268,6 @@
               <a:rPr spc="-5" dirty="0"/>
               <a:t>100;</a:t>
             </a:r>
-            <a:endParaRPr spc="-5" dirty="0"/>
           </a:p>
         </p:txBody>
       </p:sp>
@@ -4396,7 +4522,7 @@
           <p:nvPr/>
         </p:nvPicPr>
         <p:blipFill>
-          <a:blip r:embed="rId1" cstate="print"/>
+          <a:blip r:embed="rId2" cstate="print"/>
           <a:stretch>
             <a:fillRect/>
           </a:stretch>
@@ -4545,13 +4671,6 @@
               </a:rPr>
               <a:t>100</a:t>
             </a:r>
-            <a:endParaRPr lang="en-US" sz="2400" spc="-585" dirty="0">
-              <a:solidFill>
-                <a:srgbClr val="FFFFFF"/>
-              </a:solidFill>
-              <a:latin typeface="Courier New" panose="02070309020205020404"/>
-              <a:cs typeface="Courier New" panose="02070309020205020404"/>
-            </a:endParaRPr>
           </a:p>
         </p:txBody>
       </p:sp>
@@ -4658,7 +4777,9 @@
         <p:txBody>
           <a:bodyPr wrap="square" lIns="0" tIns="0" rIns="0" bIns="0" rtlCol="0"/>
           <a:lstStyle/>
-          <a:p/>
+          <a:p>
+            <a:endParaRPr/>
+          </a:p>
         </p:txBody>
       </p:sp>
       <p:sp>
@@ -4679,9 +4800,11 @@
         </p:spPr>
         <p:txBody>
           <a:bodyPr/>
+          <a:lstStyle/>
           <a:p>
             <a:fld id="{B6F15528-21DE-4FAA-801E-634DDDAF4B2B}" type="slidenum">
               <a:rPr/>
+              <a:t>13</a:t>
             </a:fld>
             <a:endParaRPr/>
           </a:p>
@@ -4709,6 +4832,7 @@
           <a:bodyPr vert="horz" wrap="square" lIns="0" tIns="306070" rIns="0" bIns="0" rtlCol="0">
             <a:spAutoFit/>
           </a:bodyPr>
+          <a:lstStyle/>
           <a:p>
             <a:pPr marL="229870">
               <a:lnSpc>
@@ -4757,6 +4881,7 @@
           <a:bodyPr vert="horz" wrap="square" lIns="0" tIns="306070" rIns="0" bIns="0" rtlCol="0">
             <a:spAutoFit/>
           </a:bodyPr>
+          <a:lstStyle/>
           <a:p>
             <a:pPr marL="228600">
               <a:lnSpc>
@@ -4776,13 +4901,6 @@
               </a:rPr>
               <a:t>70</a:t>
             </a:r>
-            <a:endParaRPr lang="en-US" sz="2400" spc="-585" dirty="0">
-              <a:solidFill>
-                <a:srgbClr val="FFFFFF"/>
-              </a:solidFill>
-              <a:latin typeface="Courier New" panose="02070309020205020404"/>
-              <a:cs typeface="Courier New" panose="02070309020205020404"/>
-            </a:endParaRPr>
           </a:p>
         </p:txBody>
       </p:sp>
@@ -4818,7 +4936,7 @@
           <p:nvPr/>
         </p:nvPicPr>
         <p:blipFill>
-          <a:blip r:embed="rId1" cstate="print"/>
+          <a:blip r:embed="rId2" cstate="print"/>
           <a:stretch>
             <a:fillRect/>
           </a:stretch>
@@ -4840,7 +4958,7 @@
           <p:nvPr/>
         </p:nvPicPr>
         <p:blipFill>
-          <a:blip r:embed="rId2" cstate="print"/>
+          <a:blip r:embed="rId3" cstate="print"/>
           <a:stretch>
             <a:fillRect/>
           </a:stretch>
@@ -4862,7 +4980,7 @@
           <p:nvPr/>
         </p:nvPicPr>
         <p:blipFill>
-          <a:blip r:embed="rId3" cstate="print"/>
+          <a:blip r:embed="rId4" cstate="print"/>
           <a:stretch>
             <a:fillRect/>
           </a:stretch>
@@ -4898,7 +5016,7 @@
             <p:nvPr/>
           </p:nvPicPr>
           <p:blipFill>
-            <a:blip r:embed="rId4" cstate="print"/>
+            <a:blip r:embed="rId5" cstate="print"/>
             <a:stretch>
               <a:fillRect/>
             </a:stretch>
@@ -4920,7 +5038,7 @@
             <p:nvPr/>
           </p:nvPicPr>
           <p:blipFill>
-            <a:blip r:embed="rId5" cstate="print"/>
+            <a:blip r:embed="rId6" cstate="print"/>
             <a:stretch>
               <a:fillRect/>
             </a:stretch>
@@ -4943,7 +5061,7 @@
           <p:nvPr/>
         </p:nvPicPr>
         <p:blipFill>
-          <a:blip r:embed="rId6" cstate="print"/>
+          <a:blip r:embed="rId7" cstate="print"/>
           <a:stretch>
             <a:fillRect/>
           </a:stretch>
@@ -4965,7 +5083,7 @@
           <p:nvPr/>
         </p:nvPicPr>
         <p:blipFill>
-          <a:blip r:embed="rId7" cstate="print"/>
+          <a:blip r:embed="rId8" cstate="print"/>
           <a:stretch>
             <a:fillRect/>
           </a:stretch>
@@ -5001,7 +5119,7 @@
             <p:nvPr/>
           </p:nvPicPr>
           <p:blipFill>
-            <a:blip r:embed="rId8" cstate="print"/>
+            <a:blip r:embed="rId9" cstate="print"/>
             <a:stretch>
               <a:fillRect/>
             </a:stretch>
@@ -5023,7 +5141,7 @@
             <p:nvPr/>
           </p:nvPicPr>
           <p:blipFill>
-            <a:blip r:embed="rId9" cstate="print"/>
+            <a:blip r:embed="rId10" cstate="print"/>
             <a:stretch>
               <a:fillRect/>
             </a:stretch>
@@ -5046,7 +5164,7 @@
           <p:nvPr/>
         </p:nvPicPr>
         <p:blipFill>
-          <a:blip r:embed="rId10" cstate="print"/>
+          <a:blip r:embed="rId11" cstate="print"/>
           <a:stretch>
             <a:fillRect/>
           </a:stretch>
@@ -5064,6 +5182,50 @@
       <p:pic>
         <p:nvPicPr>
           <p:cNvPr id="14" name="object 14"/>
+          <p:cNvPicPr/>
+          <p:nvPr/>
+        </p:nvPicPr>
+        <p:blipFill>
+          <a:blip r:embed="rId12" cstate="print"/>
+          <a:stretch>
+            <a:fillRect/>
+          </a:stretch>
+        </p:blipFill>
+        <p:spPr>
+          <a:xfrm>
+            <a:off x="8353297" y="4569282"/>
+            <a:ext cx="3106038" cy="305104"/>
+          </a:xfrm>
+          <a:prstGeom prst="rect">
+            <a:avLst/>
+          </a:prstGeom>
+        </p:spPr>
+      </p:pic>
+      <p:pic>
+        <p:nvPicPr>
+          <p:cNvPr id="15" name="object 15"/>
+          <p:cNvPicPr/>
+          <p:nvPr/>
+        </p:nvPicPr>
+        <p:blipFill>
+          <a:blip r:embed="rId13" cstate="print"/>
+          <a:stretch>
+            <a:fillRect/>
+          </a:stretch>
+        </p:blipFill>
+        <p:spPr>
+          <a:xfrm>
+            <a:off x="8740393" y="4950840"/>
+            <a:ext cx="2297556" cy="274319"/>
+          </a:xfrm>
+          <a:prstGeom prst="rect">
+            <a:avLst/>
+          </a:prstGeom>
+        </p:spPr>
+      </p:pic>
+      <p:pic>
+        <p:nvPicPr>
+          <p:cNvPr id="16" name="object 16"/>
           <p:cNvPicPr/>
           <p:nvPr/>
         </p:nvPicPr>
@@ -5075,50 +5237,6 @@
         </p:blipFill>
         <p:spPr>
           <a:xfrm>
-            <a:off x="8353297" y="4569282"/>
-            <a:ext cx="3106038" cy="305104"/>
-          </a:xfrm>
-          <a:prstGeom prst="rect">
-            <a:avLst/>
-          </a:prstGeom>
-        </p:spPr>
-      </p:pic>
-      <p:pic>
-        <p:nvPicPr>
-          <p:cNvPr id="15" name="object 15"/>
-          <p:cNvPicPr/>
-          <p:nvPr/>
-        </p:nvPicPr>
-        <p:blipFill>
-          <a:blip r:embed="rId12" cstate="print"/>
-          <a:stretch>
-            <a:fillRect/>
-          </a:stretch>
-        </p:blipFill>
-        <p:spPr>
-          <a:xfrm>
-            <a:off x="8740393" y="4950840"/>
-            <a:ext cx="2297556" cy="274319"/>
-          </a:xfrm>
-          <a:prstGeom prst="rect">
-            <a:avLst/>
-          </a:prstGeom>
-        </p:spPr>
-      </p:pic>
-      <p:pic>
-        <p:nvPicPr>
-          <p:cNvPr id="16" name="object 16"/>
-          <p:cNvPicPr/>
-          <p:nvPr/>
-        </p:nvPicPr>
-        <p:blipFill>
-          <a:blip r:embed="rId10" cstate="print"/>
-          <a:stretch>
-            <a:fillRect/>
-          </a:stretch>
-        </p:blipFill>
-        <p:spPr>
-          <a:xfrm>
             <a:off x="8562085" y="5301360"/>
             <a:ext cx="2648330" cy="274319"/>
           </a:xfrm>
@@ -5134,7 +5252,7 @@
           <p:nvPr/>
         </p:nvPicPr>
         <p:blipFill>
-          <a:blip r:embed="rId13" cstate="print"/>
+          <a:blip r:embed="rId14" cstate="print"/>
           <a:stretch>
             <a:fillRect/>
           </a:stretch>
@@ -5156,7 +5274,7 @@
           <p:nvPr/>
         </p:nvPicPr>
         <p:blipFill>
-          <a:blip r:embed="rId14" cstate="print"/>
+          <a:blip r:embed="rId15" cstate="print"/>
           <a:stretch>
             <a:fillRect/>
           </a:stretch>
@@ -5184,9 +5302,11 @@
         <p:spPr/>
         <p:txBody>
           <a:bodyPr/>
+          <a:lstStyle/>
           <a:p>
             <a:fld id="{B6F15528-21DE-4FAA-801E-634DDDAF4B2B}" type="slidenum">
               <a:rPr/>
+              <a:t>14</a:t>
             </a:fld>
             <a:endParaRPr/>
           </a:p>
@@ -5224,7 +5344,7 @@
           <p:nvPr/>
         </p:nvPicPr>
         <p:blipFill>
-          <a:blip r:embed="rId1" cstate="print"/>
+          <a:blip r:embed="rId2" cstate="print"/>
           <a:stretch>
             <a:fillRect/>
           </a:stretch>
@@ -5319,7 +5439,9 @@
           <p:txBody>
             <a:bodyPr wrap="square" lIns="0" tIns="0" rIns="0" bIns="0" rtlCol="0"/>
             <a:lstStyle/>
-            <a:p/>
+            <a:p>
+              <a:endParaRPr/>
+            </a:p>
           </p:txBody>
         </p:sp>
         <p:sp>
@@ -5388,7 +5510,9 @@
           <p:txBody>
             <a:bodyPr wrap="square" lIns="0" tIns="0" rIns="0" bIns="0" rtlCol="0"/>
             <a:lstStyle/>
-            <a:p/>
+            <a:p>
+              <a:endParaRPr/>
+            </a:p>
           </p:txBody>
         </p:sp>
         <p:sp>
@@ -5457,7 +5581,9 @@
           <p:txBody>
             <a:bodyPr wrap="square" lIns="0" tIns="0" rIns="0" bIns="0" rtlCol="0"/>
             <a:lstStyle/>
-            <a:p/>
+            <a:p>
+              <a:endParaRPr/>
+            </a:p>
           </p:txBody>
         </p:sp>
         <p:sp>
@@ -5526,7 +5652,9 @@
           <p:txBody>
             <a:bodyPr wrap="square" lIns="0" tIns="0" rIns="0" bIns="0" rtlCol="0"/>
             <a:lstStyle/>
-            <a:p/>
+            <a:p>
+              <a:endParaRPr/>
+            </a:p>
           </p:txBody>
         </p:sp>
         <p:sp>
@@ -5595,7 +5723,9 @@
           <p:txBody>
             <a:bodyPr wrap="square" lIns="0" tIns="0" rIns="0" bIns="0" rtlCol="0"/>
             <a:lstStyle/>
-            <a:p/>
+            <a:p>
+              <a:endParaRPr/>
+            </a:p>
           </p:txBody>
         </p:sp>
         <p:sp>
@@ -5664,7 +5794,9 @@
           <p:txBody>
             <a:bodyPr wrap="square" lIns="0" tIns="0" rIns="0" bIns="0" rtlCol="0"/>
             <a:lstStyle/>
-            <a:p/>
+            <a:p>
+              <a:endParaRPr/>
+            </a:p>
           </p:txBody>
         </p:sp>
         <p:pic>
@@ -5674,7 +5806,7 @@
             <p:nvPr/>
           </p:nvPicPr>
           <p:blipFill>
-            <a:blip r:embed="rId2" cstate="print"/>
+            <a:blip r:embed="rId3" cstate="print"/>
             <a:stretch>
               <a:fillRect/>
             </a:stretch>
@@ -5696,7 +5828,7 @@
             <p:nvPr/>
           </p:nvPicPr>
           <p:blipFill>
-            <a:blip r:embed="rId3" cstate="print"/>
+            <a:blip r:embed="rId4" cstate="print"/>
             <a:stretch>
               <a:fillRect/>
             </a:stretch>
@@ -5718,7 +5850,7 @@
             <p:nvPr/>
           </p:nvPicPr>
           <p:blipFill>
-            <a:blip r:embed="rId4" cstate="print"/>
+            <a:blip r:embed="rId5" cstate="print"/>
             <a:stretch>
               <a:fillRect/>
             </a:stretch>
@@ -5740,7 +5872,7 @@
             <p:nvPr/>
           </p:nvPicPr>
           <p:blipFill>
-            <a:blip r:embed="rId5" cstate="print"/>
+            <a:blip r:embed="rId6" cstate="print"/>
             <a:stretch>
               <a:fillRect/>
             </a:stretch>
@@ -5762,7 +5894,7 @@
             <p:nvPr/>
           </p:nvPicPr>
           <p:blipFill>
-            <a:blip r:embed="rId4" cstate="print"/>
+            <a:blip r:embed="rId5" cstate="print"/>
             <a:stretch>
               <a:fillRect/>
             </a:stretch>
@@ -5784,7 +5916,7 @@
             <p:nvPr/>
           </p:nvPicPr>
           <p:blipFill>
-            <a:blip r:embed="rId5" cstate="print"/>
+            <a:blip r:embed="rId6" cstate="print"/>
             <a:stretch>
               <a:fillRect/>
             </a:stretch>
@@ -5806,7 +5938,7 @@
             <p:nvPr/>
           </p:nvPicPr>
           <p:blipFill>
-            <a:blip r:embed="rId6" cstate="print"/>
+            <a:blip r:embed="rId7" cstate="print"/>
             <a:stretch>
               <a:fillRect/>
             </a:stretch>
@@ -5828,7 +5960,7 @@
             <p:nvPr/>
           </p:nvPicPr>
           <p:blipFill>
-            <a:blip r:embed="rId7" cstate="print"/>
+            <a:blip r:embed="rId8" cstate="print"/>
             <a:stretch>
               <a:fillRect/>
             </a:stretch>
@@ -5850,7 +5982,7 @@
             <p:nvPr/>
           </p:nvPicPr>
           <p:blipFill>
-            <a:blip r:embed="rId8" cstate="print"/>
+            <a:blip r:embed="rId9" cstate="print"/>
             <a:stretch>
               <a:fillRect/>
             </a:stretch>
@@ -5872,7 +6004,7 @@
             <p:nvPr/>
           </p:nvPicPr>
           <p:blipFill>
-            <a:blip r:embed="rId9" cstate="print"/>
+            <a:blip r:embed="rId10" cstate="print"/>
             <a:stretch>
               <a:fillRect/>
             </a:stretch>
@@ -5894,7 +6026,7 @@
             <p:nvPr/>
           </p:nvPicPr>
           <p:blipFill>
-            <a:blip r:embed="rId10" cstate="print"/>
+            <a:blip r:embed="rId11" cstate="print"/>
             <a:stretch>
               <a:fillRect/>
             </a:stretch>
@@ -5916,7 +6048,7 @@
             <p:nvPr/>
           </p:nvPicPr>
           <p:blipFill>
-            <a:blip r:embed="rId11" cstate="print"/>
+            <a:blip r:embed="rId12" cstate="print"/>
             <a:stretch>
               <a:fillRect/>
             </a:stretch>
@@ -5938,7 +6070,7 @@
             <p:nvPr/>
           </p:nvPicPr>
           <p:blipFill>
-            <a:blip r:embed="rId12" cstate="print"/>
+            <a:blip r:embed="rId13" cstate="print"/>
             <a:stretch>
               <a:fillRect/>
             </a:stretch>
@@ -5960,7 +6092,7 @@
             <p:nvPr/>
           </p:nvPicPr>
           <p:blipFill>
-            <a:blip r:embed="rId13" cstate="print"/>
+            <a:blip r:embed="rId14" cstate="print"/>
             <a:stretch>
               <a:fillRect/>
             </a:stretch>
@@ -5982,7 +6114,7 @@
             <p:nvPr/>
           </p:nvPicPr>
           <p:blipFill>
-            <a:blip r:embed="rId14" cstate="print"/>
+            <a:blip r:embed="rId15" cstate="print"/>
             <a:stretch>
               <a:fillRect/>
             </a:stretch>
@@ -6008,7 +6140,7 @@
         </p:nvGraphicFramePr>
         <p:xfrm>
           <a:off x="1035646" y="2019300"/>
-          <a:ext cx="9865360" cy="2737485"/>
+          <a:ext cx="9845036" cy="2731069"/>
         </p:xfrm>
         <a:graphic>
           <a:graphicData uri="http://schemas.openxmlformats.org/drawingml/2006/table">
@@ -6017,12 +6149,48 @@
                 <a:tableStyleId>{2D5ABB26-0587-4C30-8999-92F81FD0307C}</a:tableStyleId>
               </a:tblPr>
               <a:tblGrid>
-                <a:gridCol w="1640839"/>
-                <a:gridCol w="1640839"/>
-                <a:gridCol w="1640839"/>
-                <a:gridCol w="1640839"/>
-                <a:gridCol w="1640840"/>
-                <a:gridCol w="1640840"/>
+                <a:gridCol w="1640839">
+                  <a:extLst>
+                    <a:ext uri="{9D8B030D-6E8A-4147-A177-3AD203B41FA5}">
+                      <a16:colId xmlns:a16="http://schemas.microsoft.com/office/drawing/2014/main" val="20000"/>
+                    </a:ext>
+                  </a:extLst>
+                </a:gridCol>
+                <a:gridCol w="1640839">
+                  <a:extLst>
+                    <a:ext uri="{9D8B030D-6E8A-4147-A177-3AD203B41FA5}">
+                      <a16:colId xmlns:a16="http://schemas.microsoft.com/office/drawing/2014/main" val="20001"/>
+                    </a:ext>
+                  </a:extLst>
+                </a:gridCol>
+                <a:gridCol w="1640839">
+                  <a:extLst>
+                    <a:ext uri="{9D8B030D-6E8A-4147-A177-3AD203B41FA5}">
+                      <a16:colId xmlns:a16="http://schemas.microsoft.com/office/drawing/2014/main" val="20002"/>
+                    </a:ext>
+                  </a:extLst>
+                </a:gridCol>
+                <a:gridCol w="1640839">
+                  <a:extLst>
+                    <a:ext uri="{9D8B030D-6E8A-4147-A177-3AD203B41FA5}">
+                      <a16:colId xmlns:a16="http://schemas.microsoft.com/office/drawing/2014/main" val="20003"/>
+                    </a:ext>
+                  </a:extLst>
+                </a:gridCol>
+                <a:gridCol w="1640840">
+                  <a:extLst>
+                    <a:ext uri="{9D8B030D-6E8A-4147-A177-3AD203B41FA5}">
+                      <a16:colId xmlns:a16="http://schemas.microsoft.com/office/drawing/2014/main" val="20004"/>
+                    </a:ext>
+                  </a:extLst>
+                </a:gridCol>
+                <a:gridCol w="1640840">
+                  <a:extLst>
+                    <a:ext uri="{9D8B030D-6E8A-4147-A177-3AD203B41FA5}">
+                      <a16:colId xmlns:a16="http://schemas.microsoft.com/office/drawing/2014/main" val="20005"/>
+                    </a:ext>
+                  </a:extLst>
+                </a:gridCol>
               </a:tblGrid>
               <a:tr h="353631">
                 <a:tc gridSpan="4">
@@ -6051,12 +6219,33 @@
                   </a:tcPr>
                 </a:tc>
                 <a:tc hMerge="1">
+                  <a:txBody>
+                    <a:bodyPr/>
+                    <a:lstStyle/>
+                    <a:p>
+                      <a:endParaRPr lang="en-US"/>
+                    </a:p>
+                  </a:txBody>
                   <a:tcPr marL="0" marR="0" marT="0" marB="0"/>
                 </a:tc>
                 <a:tc hMerge="1">
+                  <a:txBody>
+                    <a:bodyPr/>
+                    <a:lstStyle/>
+                    <a:p>
+                      <a:endParaRPr lang="en-US"/>
+                    </a:p>
+                  </a:txBody>
                   <a:tcPr marL="0" marR="0" marT="0" marB="0"/>
                 </a:tc>
                 <a:tc hMerge="1">
+                  <a:txBody>
+                    <a:bodyPr/>
+                    <a:lstStyle/>
+                    <a:p>
+                      <a:endParaRPr lang="en-US"/>
+                    </a:p>
+                  </a:txBody>
                   <a:tcPr marL="0" marR="0" marT="0" marB="0"/>
                 </a:tc>
                 <a:tc gridSpan="2">
@@ -6085,8 +6274,20 @@
                   </a:tcPr>
                 </a:tc>
                 <a:tc hMerge="1">
+                  <a:txBody>
+                    <a:bodyPr/>
+                    <a:lstStyle/>
+                    <a:p>
+                      <a:endParaRPr lang="en-US"/>
+                    </a:p>
+                  </a:txBody>
                   <a:tcPr marL="0" marR="0" marT="0" marB="0"/>
                 </a:tc>
+                <a:extLst>
+                  <a:ext uri="{0D108BD9-81ED-4DB2-BD59-A6C34878D82A}">
+                    <a16:rowId xmlns:a16="http://schemas.microsoft.com/office/drawing/2014/main" val="10000"/>
+                  </a:ext>
+                </a:extLst>
               </a:tr>
               <a:tr h="396240">
                 <a:tc>
@@ -6347,6 +6548,11 @@
                     </a:lnB>
                   </a:tcPr>
                 </a:tc>
+                <a:extLst>
+                  <a:ext uri="{0D108BD9-81ED-4DB2-BD59-A6C34878D82A}">
+                    <a16:rowId xmlns:a16="http://schemas.microsoft.com/office/drawing/2014/main" val="10001"/>
+                  </a:ext>
+                </a:extLst>
               </a:tr>
               <a:tr h="396239">
                 <a:tc>
@@ -6607,6 +6813,11 @@
                     </a:lnB>
                   </a:tcPr>
                 </a:tc>
+                <a:extLst>
+                  <a:ext uri="{0D108BD9-81ED-4DB2-BD59-A6C34878D82A}">
+                    <a16:rowId xmlns:a16="http://schemas.microsoft.com/office/drawing/2014/main" val="10002"/>
+                  </a:ext>
+                </a:extLst>
               </a:tr>
               <a:tr h="396240">
                 <a:tc>
@@ -6867,6 +7078,11 @@
                     </a:lnB>
                   </a:tcPr>
                 </a:tc>
+                <a:extLst>
+                  <a:ext uri="{0D108BD9-81ED-4DB2-BD59-A6C34878D82A}">
+                    <a16:rowId xmlns:a16="http://schemas.microsoft.com/office/drawing/2014/main" val="10003"/>
+                  </a:ext>
+                </a:extLst>
               </a:tr>
               <a:tr h="396240">
                 <a:tc>
@@ -7127,6 +7343,11 @@
                     </a:lnB>
                   </a:tcPr>
                 </a:tc>
+                <a:extLst>
+                  <a:ext uri="{0D108BD9-81ED-4DB2-BD59-A6C34878D82A}">
+                    <a16:rowId xmlns:a16="http://schemas.microsoft.com/office/drawing/2014/main" val="10004"/>
+                  </a:ext>
+                </a:extLst>
               </a:tr>
               <a:tr h="396239">
                 <a:tc>
@@ -7387,6 +7608,11 @@
                     </a:lnB>
                   </a:tcPr>
                 </a:tc>
+                <a:extLst>
+                  <a:ext uri="{0D108BD9-81ED-4DB2-BD59-A6C34878D82A}">
+                    <a16:rowId xmlns:a16="http://schemas.microsoft.com/office/drawing/2014/main" val="10005"/>
+                  </a:ext>
+                </a:extLst>
               </a:tr>
               <a:tr h="396240">
                 <a:tc>
@@ -7647,6 +7873,11 @@
                     </a:lnB>
                   </a:tcPr>
                 </a:tc>
+                <a:extLst>
+                  <a:ext uri="{0D108BD9-81ED-4DB2-BD59-A6C34878D82A}">
+                    <a16:rowId xmlns:a16="http://schemas.microsoft.com/office/drawing/2014/main" val="10006"/>
+                  </a:ext>
+                </a:extLst>
               </a:tr>
             </a:tbl>
           </a:graphicData>
@@ -7659,7 +7890,7 @@
           <p:nvPr/>
         </p:nvPicPr>
         <p:blipFill>
-          <a:blip r:embed="rId15" cstate="print"/>
+          <a:blip r:embed="rId16" cstate="print"/>
           <a:stretch>
             <a:fillRect/>
           </a:stretch>
@@ -7681,7 +7912,7 @@
           <p:nvPr/>
         </p:nvPicPr>
         <p:blipFill>
-          <a:blip r:embed="rId16" cstate="print"/>
+          <a:blip r:embed="rId17" cstate="print"/>
           <a:stretch>
             <a:fillRect/>
           </a:stretch>
@@ -7717,7 +7948,7 @@
             <p:nvPr/>
           </p:nvPicPr>
           <p:blipFill>
-            <a:blip r:embed="rId17" cstate="print"/>
+            <a:blip r:embed="rId18" cstate="print"/>
             <a:stretch>
               <a:fillRect/>
             </a:stretch>
@@ -7739,7 +7970,7 @@
             <p:nvPr/>
           </p:nvPicPr>
           <p:blipFill>
-            <a:blip r:embed="rId18" cstate="print"/>
+            <a:blip r:embed="rId19" cstate="print"/>
             <a:stretch>
               <a:fillRect/>
             </a:stretch>
@@ -7761,7 +7992,7 @@
             <p:nvPr/>
           </p:nvPicPr>
           <p:blipFill>
-            <a:blip r:embed="rId19" cstate="print"/>
+            <a:blip r:embed="rId20" cstate="print"/>
             <a:stretch>
               <a:fillRect/>
             </a:stretch>
@@ -7784,28 +8015,6 @@
           <p:nvPr/>
         </p:nvPicPr>
         <p:blipFill>
-          <a:blip r:embed="rId20" cstate="print"/>
-          <a:stretch>
-            <a:fillRect/>
-          </a:stretch>
-        </p:blipFill>
-        <p:spPr>
-          <a:xfrm>
-            <a:off x="10017886" y="3211652"/>
-            <a:ext cx="201168" cy="305104"/>
-          </a:xfrm>
-          <a:prstGeom prst="rect">
-            <a:avLst/>
-          </a:prstGeom>
-        </p:spPr>
-      </p:pic>
-      <p:pic>
-        <p:nvPicPr>
-          <p:cNvPr id="33" name="object 33"/>
-          <p:cNvPicPr/>
-          <p:nvPr/>
-        </p:nvPicPr>
-        <p:blipFill>
           <a:blip r:embed="rId21" cstate="print"/>
           <a:stretch>
             <a:fillRect/>
@@ -7813,8 +8022,8 @@
         </p:blipFill>
         <p:spPr>
           <a:xfrm>
-            <a:off x="1133551" y="3608578"/>
-            <a:ext cx="1153858" cy="304800"/>
+            <a:off x="10017886" y="3211652"/>
+            <a:ext cx="201168" cy="305104"/>
           </a:xfrm>
           <a:prstGeom prst="rect">
             <a:avLst/>
@@ -7823,7 +8032,7 @@
       </p:pic>
       <p:pic>
         <p:nvPicPr>
-          <p:cNvPr id="34" name="object 34"/>
+          <p:cNvPr id="33" name="object 33"/>
           <p:cNvPicPr/>
           <p:nvPr/>
         </p:nvPicPr>
@@ -7835,8 +8044,8 @@
         </p:blipFill>
         <p:spPr>
           <a:xfrm>
-            <a:off x="3448811" y="3608578"/>
-            <a:ext cx="219456" cy="304800"/>
+            <a:off x="1133551" y="3608578"/>
+            <a:ext cx="1153858" cy="304800"/>
           </a:xfrm>
           <a:prstGeom prst="rect">
             <a:avLst/>
@@ -7845,7 +8054,7 @@
       </p:pic>
       <p:pic>
         <p:nvPicPr>
-          <p:cNvPr id="35" name="object 35"/>
+          <p:cNvPr id="34" name="object 34"/>
           <p:cNvPicPr/>
           <p:nvPr/>
         </p:nvPicPr>
@@ -7857,8 +8066,8 @@
         </p:blipFill>
         <p:spPr>
           <a:xfrm>
-            <a:off x="4600702" y="3608578"/>
-            <a:ext cx="1207681" cy="304800"/>
+            <a:off x="3448811" y="3608578"/>
+            <a:ext cx="219456" cy="304800"/>
           </a:xfrm>
           <a:prstGeom prst="rect">
             <a:avLst/>
@@ -7867,7 +8076,7 @@
       </p:pic>
       <p:pic>
         <p:nvPicPr>
-          <p:cNvPr id="36" name="object 36"/>
+          <p:cNvPr id="35" name="object 35"/>
           <p:cNvPicPr/>
           <p:nvPr/>
         </p:nvPicPr>
@@ -7879,8 +8088,8 @@
         </p:blipFill>
         <p:spPr>
           <a:xfrm>
-            <a:off x="6581902" y="3608578"/>
-            <a:ext cx="544576" cy="304800"/>
+            <a:off x="4600702" y="3608578"/>
+            <a:ext cx="1207681" cy="304800"/>
           </a:xfrm>
           <a:prstGeom prst="rect">
             <a:avLst/>
@@ -7889,7 +8098,7 @@
       </p:pic>
       <p:pic>
         <p:nvPicPr>
-          <p:cNvPr id="37" name="object 37"/>
+          <p:cNvPr id="36" name="object 36"/>
           <p:cNvPicPr/>
           <p:nvPr/>
         </p:nvPicPr>
@@ -7901,8 +8110,8 @@
         </p:blipFill>
         <p:spPr>
           <a:xfrm>
-            <a:off x="8131429" y="3608578"/>
-            <a:ext cx="707745" cy="304800"/>
+            <a:off x="6581902" y="3608578"/>
+            <a:ext cx="544576" cy="304800"/>
           </a:xfrm>
           <a:prstGeom prst="rect">
             <a:avLst/>
@@ -7911,7 +8120,7 @@
       </p:pic>
       <p:pic>
         <p:nvPicPr>
-          <p:cNvPr id="38" name="object 38"/>
+          <p:cNvPr id="37" name="object 37"/>
           <p:cNvPicPr/>
           <p:nvPr/>
         </p:nvPicPr>
@@ -7923,8 +8132,8 @@
         </p:blipFill>
         <p:spPr>
           <a:xfrm>
-            <a:off x="9987406" y="3608578"/>
-            <a:ext cx="320040" cy="304800"/>
+            <a:off x="8131429" y="3608578"/>
+            <a:ext cx="707745" cy="304800"/>
           </a:xfrm>
           <a:prstGeom prst="rect">
             <a:avLst/>
@@ -7933,7 +8142,7 @@
       </p:pic>
       <p:pic>
         <p:nvPicPr>
-          <p:cNvPr id="39" name="object 39"/>
+          <p:cNvPr id="38" name="object 38"/>
           <p:cNvPicPr/>
           <p:nvPr/>
         </p:nvPicPr>
@@ -7945,8 +8154,8 @@
         </p:blipFill>
         <p:spPr>
           <a:xfrm>
-            <a:off x="1133551" y="4004817"/>
-            <a:ext cx="958342" cy="304800"/>
+            <a:off x="9987406" y="3608578"/>
+            <a:ext cx="320040" cy="304800"/>
           </a:xfrm>
           <a:prstGeom prst="rect">
             <a:avLst/>
@@ -7955,7 +8164,7 @@
       </p:pic>
       <p:pic>
         <p:nvPicPr>
-          <p:cNvPr id="40" name="object 40"/>
+          <p:cNvPr id="39" name="object 39"/>
           <p:cNvPicPr/>
           <p:nvPr/>
         </p:nvPicPr>
@@ -7967,8 +8176,8 @@
         </p:blipFill>
         <p:spPr>
           <a:xfrm>
-            <a:off x="3436620" y="4004817"/>
-            <a:ext cx="265175" cy="304800"/>
+            <a:off x="1133551" y="4004817"/>
+            <a:ext cx="958342" cy="304800"/>
           </a:xfrm>
           <a:prstGeom prst="rect">
             <a:avLst/>
@@ -7977,7 +8186,7 @@
       </p:pic>
       <p:pic>
         <p:nvPicPr>
-          <p:cNvPr id="41" name="object 41"/>
+          <p:cNvPr id="40" name="object 40"/>
           <p:cNvPicPr/>
           <p:nvPr/>
         </p:nvPicPr>
@@ -7989,8 +8198,8 @@
         </p:blipFill>
         <p:spPr>
           <a:xfrm>
-            <a:off x="4547361" y="4004817"/>
-            <a:ext cx="1314577" cy="304800"/>
+            <a:off x="3436620" y="4004817"/>
+            <a:ext cx="265175" cy="304800"/>
           </a:xfrm>
           <a:prstGeom prst="rect">
             <a:avLst/>
@@ -7999,7 +8208,7 @@
       </p:pic>
       <p:pic>
         <p:nvPicPr>
-          <p:cNvPr id="42" name="object 42"/>
+          <p:cNvPr id="41" name="object 41"/>
           <p:cNvPicPr/>
           <p:nvPr/>
         </p:nvPicPr>
@@ -8011,8 +8220,8 @@
         </p:blipFill>
         <p:spPr>
           <a:xfrm>
-            <a:off x="6589521" y="4004817"/>
-            <a:ext cx="522224" cy="304800"/>
+            <a:off x="4547361" y="4004817"/>
+            <a:ext cx="1314577" cy="304800"/>
           </a:xfrm>
           <a:prstGeom prst="rect">
             <a:avLst/>
@@ -8021,7 +8230,7 @@
       </p:pic>
       <p:pic>
         <p:nvPicPr>
-          <p:cNvPr id="43" name="object 43"/>
+          <p:cNvPr id="42" name="object 42"/>
           <p:cNvPicPr/>
           <p:nvPr/>
         </p:nvPicPr>
@@ -8033,8 +8242,8 @@
         </p:blipFill>
         <p:spPr>
           <a:xfrm>
-            <a:off x="8076565" y="4004817"/>
-            <a:ext cx="816101" cy="304800"/>
+            <a:off x="6589521" y="4004817"/>
+            <a:ext cx="522224" cy="304800"/>
           </a:xfrm>
           <a:prstGeom prst="rect">
             <a:avLst/>
@@ -8043,7 +8252,7 @@
       </p:pic>
       <p:pic>
         <p:nvPicPr>
-          <p:cNvPr id="44" name="object 44"/>
+          <p:cNvPr id="43" name="object 43"/>
           <p:cNvPicPr/>
           <p:nvPr/>
         </p:nvPicPr>
@@ -8055,8 +8264,8 @@
         </p:blipFill>
         <p:spPr>
           <a:xfrm>
-            <a:off x="9990455" y="4004817"/>
-            <a:ext cx="310896" cy="304800"/>
+            <a:off x="8076565" y="4004817"/>
+            <a:ext cx="816101" cy="304800"/>
           </a:xfrm>
           <a:prstGeom prst="rect">
             <a:avLst/>
@@ -8065,7 +8274,7 @@
       </p:pic>
       <p:pic>
         <p:nvPicPr>
-          <p:cNvPr id="45" name="object 45"/>
+          <p:cNvPr id="44" name="object 44"/>
           <p:cNvPicPr/>
           <p:nvPr/>
         </p:nvPicPr>
@@ -8077,8 +8286,8 @@
         </p:blipFill>
         <p:spPr>
           <a:xfrm>
-            <a:off x="1133551" y="4401007"/>
-            <a:ext cx="1229995" cy="305104"/>
+            <a:off x="9990455" y="4004817"/>
+            <a:ext cx="310896" cy="304800"/>
           </a:xfrm>
           <a:prstGeom prst="rect">
             <a:avLst/>
@@ -8087,7 +8296,7 @@
       </p:pic>
       <p:pic>
         <p:nvPicPr>
-          <p:cNvPr id="46" name="object 46"/>
+          <p:cNvPr id="45" name="object 45"/>
           <p:cNvPicPr/>
           <p:nvPr/>
         </p:nvPicPr>
@@ -8099,8 +8308,8 @@
         </p:blipFill>
         <p:spPr>
           <a:xfrm>
-            <a:off x="3395471" y="4401007"/>
-            <a:ext cx="432815" cy="305104"/>
+            <a:off x="1133551" y="4401007"/>
+            <a:ext cx="1229995" cy="305104"/>
           </a:xfrm>
           <a:prstGeom prst="rect">
             <a:avLst/>
@@ -8109,7 +8318,7 @@
       </p:pic>
       <p:pic>
         <p:nvPicPr>
-          <p:cNvPr id="47" name="object 47"/>
+          <p:cNvPr id="46" name="object 46"/>
           <p:cNvPicPr/>
           <p:nvPr/>
         </p:nvPicPr>
@@ -8121,8 +8330,8 @@
         </p:blipFill>
         <p:spPr>
           <a:xfrm>
-            <a:off x="4504690" y="4401007"/>
-            <a:ext cx="1408557" cy="305104"/>
+            <a:off x="3395471" y="4401007"/>
+            <a:ext cx="432815" cy="305104"/>
           </a:xfrm>
           <a:prstGeom prst="rect">
             <a:avLst/>
@@ -8131,29 +8340,7 @@
       </p:pic>
       <p:pic>
         <p:nvPicPr>
-          <p:cNvPr id="48" name="object 48"/>
-          <p:cNvPicPr/>
-          <p:nvPr/>
-        </p:nvPicPr>
-        <p:blipFill>
-          <a:blip r:embed="rId9" cstate="print"/>
-          <a:stretch>
-            <a:fillRect/>
-          </a:stretch>
-        </p:blipFill>
-        <p:spPr>
-          <a:xfrm>
-            <a:off x="6583426" y="4401007"/>
-            <a:ext cx="540512" cy="305104"/>
-          </a:xfrm>
-          <a:prstGeom prst="rect">
-            <a:avLst/>
-          </a:prstGeom>
-        </p:spPr>
-      </p:pic>
-      <p:pic>
-        <p:nvPicPr>
-          <p:cNvPr id="49" name="object 49"/>
+          <p:cNvPr id="47" name="object 47"/>
           <p:cNvPicPr/>
           <p:nvPr/>
         </p:nvPicPr>
@@ -8165,6 +8352,50 @@
         </p:blipFill>
         <p:spPr>
           <a:xfrm>
+            <a:off x="4504690" y="4401007"/>
+            <a:ext cx="1408557" cy="305104"/>
+          </a:xfrm>
+          <a:prstGeom prst="rect">
+            <a:avLst/>
+          </a:prstGeom>
+        </p:spPr>
+      </p:pic>
+      <p:pic>
+        <p:nvPicPr>
+          <p:cNvPr id="48" name="object 48"/>
+          <p:cNvPicPr/>
+          <p:nvPr/>
+        </p:nvPicPr>
+        <p:blipFill>
+          <a:blip r:embed="rId10" cstate="print"/>
+          <a:stretch>
+            <a:fillRect/>
+          </a:stretch>
+        </p:blipFill>
+        <p:spPr>
+          <a:xfrm>
+            <a:off x="6583426" y="4401007"/>
+            <a:ext cx="540512" cy="305104"/>
+          </a:xfrm>
+          <a:prstGeom prst="rect">
+            <a:avLst/>
+          </a:prstGeom>
+        </p:spPr>
+      </p:pic>
+      <p:pic>
+        <p:nvPicPr>
+          <p:cNvPr id="49" name="object 49"/>
+          <p:cNvPicPr/>
+          <p:nvPr/>
+        </p:nvPicPr>
+        <p:blipFill>
+          <a:blip r:embed="rId37" cstate="print"/>
+          <a:stretch>
+            <a:fillRect/>
+          </a:stretch>
+        </p:blipFill>
+        <p:spPr>
+          <a:xfrm>
             <a:off x="8035417" y="4401007"/>
             <a:ext cx="913892" cy="305104"/>
           </a:xfrm>
@@ -8180,7 +8411,7 @@
           <p:nvPr/>
         </p:nvPicPr>
         <p:blipFill>
-          <a:blip r:embed="rId11" cstate="print"/>
+          <a:blip r:embed="rId12" cstate="print"/>
           <a:stretch>
             <a:fillRect/>
           </a:stretch>
@@ -8254,7 +8485,9 @@
           <p:txBody>
             <a:bodyPr wrap="square" lIns="0" tIns="0" rIns="0" bIns="0" rtlCol="0"/>
             <a:lstStyle/>
-            <a:p/>
+            <a:p>
+              <a:endParaRPr/>
+            </a:p>
           </p:txBody>
         </p:sp>
         <p:pic>
@@ -8264,7 +8497,7 @@
             <p:nvPr/>
           </p:nvPicPr>
           <p:blipFill>
-            <a:blip r:embed="rId37" cstate="print"/>
+            <a:blip r:embed="rId38" cstate="print"/>
             <a:stretch>
               <a:fillRect/>
             </a:stretch>
@@ -8286,7 +8519,7 @@
             <p:nvPr/>
           </p:nvPicPr>
           <p:blipFill>
-            <a:blip r:embed="rId38" cstate="print"/>
+            <a:blip r:embed="rId39" cstate="print"/>
             <a:stretch>
               <a:fillRect/>
             </a:stretch>
@@ -8346,7 +8579,9 @@
           <p:txBody>
             <a:bodyPr wrap="square" lIns="0" tIns="0" rIns="0" bIns="0" rtlCol="0"/>
             <a:lstStyle/>
-            <a:p/>
+            <a:p>
+              <a:endParaRPr/>
+            </a:p>
           </p:txBody>
         </p:sp>
         <p:pic>
@@ -8356,7 +8591,7 @@
             <p:nvPr/>
           </p:nvPicPr>
           <p:blipFill>
-            <a:blip r:embed="rId39" cstate="print"/>
+            <a:blip r:embed="rId40" cstate="print"/>
             <a:stretch>
               <a:fillRect/>
             </a:stretch>
@@ -8385,9 +8620,11 @@
         <p:spPr/>
         <p:txBody>
           <a:bodyPr/>
+          <a:lstStyle/>
           <a:p>
             <a:fld id="{B6F15528-21DE-4FAA-801E-634DDDAF4B2B}" type="slidenum">
               <a:rPr/>
+              <a:t>15</a:t>
             </a:fld>
             <a:endParaRPr/>
           </a:p>
@@ -8425,28 +8662,6 @@
           <p:nvPr/>
         </p:nvPicPr>
         <p:blipFill>
-          <a:blip r:embed="rId1" cstate="print"/>
-          <a:stretch>
-            <a:fillRect/>
-          </a:stretch>
-        </p:blipFill>
-        <p:spPr>
-          <a:xfrm>
-            <a:off x="1046683" y="4569282"/>
-            <a:ext cx="2746248" cy="305104"/>
-          </a:xfrm>
-          <a:prstGeom prst="rect">
-            <a:avLst/>
-          </a:prstGeom>
-        </p:spPr>
-      </p:pic>
-      <p:pic>
-        <p:nvPicPr>
-          <p:cNvPr id="3" name="object 3"/>
-          <p:cNvPicPr/>
-          <p:nvPr/>
-        </p:nvPicPr>
-        <p:blipFill>
           <a:blip r:embed="rId2" cstate="print"/>
           <a:stretch>
             <a:fillRect/>
@@ -8454,8 +8669,8 @@
         </p:blipFill>
         <p:spPr>
           <a:xfrm>
-            <a:off x="2880614" y="549859"/>
-            <a:ext cx="6571615" cy="548944"/>
+            <a:off x="1046683" y="4569282"/>
+            <a:ext cx="2746248" cy="305104"/>
           </a:xfrm>
           <a:prstGeom prst="rect">
             <a:avLst/>
@@ -8464,7 +8679,7 @@
       </p:pic>
       <p:pic>
         <p:nvPicPr>
-          <p:cNvPr id="4" name="object 4"/>
+          <p:cNvPr id="3" name="object 3"/>
           <p:cNvPicPr/>
           <p:nvPr/>
         </p:nvPicPr>
@@ -8476,6 +8691,28 @@
         </p:blipFill>
         <p:spPr>
           <a:xfrm>
+            <a:off x="2880614" y="549859"/>
+            <a:ext cx="6571615" cy="548944"/>
+          </a:xfrm>
+          <a:prstGeom prst="rect">
+            <a:avLst/>
+          </a:prstGeom>
+        </p:spPr>
+      </p:pic>
+      <p:pic>
+        <p:nvPicPr>
+          <p:cNvPr id="4" name="object 4"/>
+          <p:cNvPicPr/>
+          <p:nvPr/>
+        </p:nvPicPr>
+        <p:blipFill>
+          <a:blip r:embed="rId4" cstate="print"/>
+          <a:stretch>
+            <a:fillRect/>
+          </a:stretch>
+        </p:blipFill>
+        <p:spPr>
+          <a:xfrm>
             <a:off x="4878578" y="4569282"/>
             <a:ext cx="2576703" cy="274624"/>
           </a:xfrm>
@@ -8491,7 +8728,7 @@
           <p:nvPr/>
         </p:nvPicPr>
         <p:blipFill>
-          <a:blip r:embed="rId4" cstate="print"/>
+          <a:blip r:embed="rId5" cstate="print"/>
           <a:stretch>
             <a:fillRect/>
           </a:stretch>
@@ -8527,7 +8764,7 @@
             <p:nvPr/>
           </p:nvPicPr>
           <p:blipFill>
-            <a:blip r:embed="rId5" cstate="print"/>
+            <a:blip r:embed="rId6" cstate="print"/>
             <a:stretch>
               <a:fillRect/>
             </a:stretch>
@@ -8549,7 +8786,7 @@
             <p:nvPr/>
           </p:nvPicPr>
           <p:blipFill>
-            <a:blip r:embed="rId6" cstate="print"/>
+            <a:blip r:embed="rId7" cstate="print"/>
             <a:stretch>
               <a:fillRect/>
             </a:stretch>
@@ -8586,7 +8823,7 @@
             <p:nvPr/>
           </p:nvPicPr>
           <p:blipFill>
-            <a:blip r:embed="rId7" cstate="print"/>
+            <a:blip r:embed="rId8" cstate="print"/>
             <a:stretch>
               <a:fillRect/>
             </a:stretch>
@@ -8608,7 +8845,7 @@
             <p:nvPr/>
           </p:nvPicPr>
           <p:blipFill>
-            <a:blip r:embed="rId8" cstate="print"/>
+            <a:blip r:embed="rId9" cstate="print"/>
             <a:stretch>
               <a:fillRect/>
             </a:stretch>
@@ -8631,7 +8868,7 @@
           <p:nvPr/>
         </p:nvPicPr>
         <p:blipFill>
-          <a:blip r:embed="rId9" cstate="print"/>
+          <a:blip r:embed="rId10" cstate="print"/>
           <a:stretch>
             <a:fillRect/>
           </a:stretch>
@@ -8653,7 +8890,7 @@
           <p:nvPr/>
         </p:nvPicPr>
         <p:blipFill>
-          <a:blip r:embed="rId10" cstate="print"/>
+          <a:blip r:embed="rId11" cstate="print"/>
           <a:stretch>
             <a:fillRect/>
           </a:stretch>
@@ -8675,7 +8912,7 @@
           <p:nvPr/>
         </p:nvPicPr>
         <p:blipFill>
-          <a:blip r:embed="rId11" cstate="print"/>
+          <a:blip r:embed="rId12" cstate="print"/>
           <a:stretch>
             <a:fillRect/>
           </a:stretch>
@@ -8703,9 +8940,11 @@
         <p:spPr/>
         <p:txBody>
           <a:bodyPr/>
+          <a:lstStyle/>
           <a:p>
             <a:fld id="{B6F15528-21DE-4FAA-801E-634DDDAF4B2B}" type="slidenum">
               <a:rPr/>
+              <a:t>16</a:t>
             </a:fld>
             <a:endParaRPr/>
           </a:p>
@@ -8781,7 +9020,9 @@
         <p:txBody>
           <a:bodyPr wrap="square" lIns="0" tIns="0" rIns="0" bIns="0" rtlCol="0"/>
           <a:lstStyle/>
-          <a:p/>
+          <a:p>
+            <a:endParaRPr/>
+          </a:p>
         </p:txBody>
       </p:sp>
       <p:grpSp>
@@ -8805,7 +9046,7 @@
             <p:nvPr/>
           </p:nvPicPr>
           <p:blipFill>
-            <a:blip r:embed="rId1" cstate="print"/>
+            <a:blip r:embed="rId2" cstate="print"/>
             <a:stretch>
               <a:fillRect/>
             </a:stretch>
@@ -8865,7 +9106,9 @@
           <p:txBody>
             <a:bodyPr wrap="square" lIns="0" tIns="0" rIns="0" bIns="0" rtlCol="0"/>
             <a:lstStyle/>
-            <a:p/>
+            <a:p>
+              <a:endParaRPr/>
+            </a:p>
           </p:txBody>
         </p:sp>
         <p:sp>
@@ -8925,7 +9168,9 @@
           <p:txBody>
             <a:bodyPr wrap="square" lIns="0" tIns="0" rIns="0" bIns="0" rtlCol="0"/>
             <a:lstStyle/>
-            <a:p/>
+            <a:p>
+              <a:endParaRPr/>
+            </a:p>
           </p:txBody>
         </p:sp>
       </p:grpSp>
@@ -9477,7 +9722,7 @@
           <p:nvPr/>
         </p:nvPicPr>
         <p:blipFill>
-          <a:blip r:embed="rId2" cstate="print"/>
+          <a:blip r:embed="rId3" cstate="print"/>
           <a:stretch>
             <a:fillRect/>
           </a:stretch>
@@ -9499,7 +9744,7 @@
           <p:nvPr/>
         </p:nvPicPr>
         <p:blipFill>
-          <a:blip r:embed="rId3" cstate="print"/>
+          <a:blip r:embed="rId4" cstate="print"/>
           <a:stretch>
             <a:fillRect/>
           </a:stretch>
@@ -9521,7 +9766,7 @@
           <p:nvPr/>
         </p:nvPicPr>
         <p:blipFill>
-          <a:blip r:embed="rId4" cstate="print"/>
+          <a:blip r:embed="rId5" cstate="print"/>
           <a:stretch>
             <a:fillRect/>
           </a:stretch>
@@ -9549,9 +9794,11 @@
         <p:spPr/>
         <p:txBody>
           <a:bodyPr/>
+          <a:lstStyle/>
           <a:p>
             <a:fld id="{B6F15528-21DE-4FAA-801E-634DDDAF4B2B}" type="slidenum">
               <a:rPr/>
+              <a:t>17</a:t>
             </a:fld>
             <a:endParaRPr/>
           </a:p>
@@ -9619,7 +9866,9 @@
         <p:txBody>
           <a:bodyPr wrap="square" lIns="0" tIns="0" rIns="0" bIns="0" rtlCol="0"/>
           <a:lstStyle/>
-          <a:p/>
+          <a:p>
+            <a:endParaRPr/>
+          </a:p>
         </p:txBody>
       </p:sp>
       <p:pic>
@@ -9629,7 +9878,7 @@
           <p:nvPr/>
         </p:nvPicPr>
         <p:blipFill>
-          <a:blip r:embed="rId1" cstate="print"/>
+          <a:blip r:embed="rId2" cstate="print"/>
           <a:stretch>
             <a:fillRect/>
           </a:stretch>
@@ -9651,7 +9900,7 @@
           <p:nvPr/>
         </p:nvPicPr>
         <p:blipFill>
-          <a:blip r:embed="rId2" cstate="print"/>
+          <a:blip r:embed="rId3" cstate="print"/>
           <a:stretch>
             <a:fillRect/>
           </a:stretch>
@@ -9743,7 +9992,7 @@
           <p:nvPr/>
         </p:nvPicPr>
         <p:blipFill>
-          <a:blip r:embed="rId3" cstate="print"/>
+          <a:blip r:embed="rId4" cstate="print"/>
           <a:stretch>
             <a:fillRect/>
           </a:stretch>
@@ -9765,7 +10014,7 @@
           <p:nvPr/>
         </p:nvPicPr>
         <p:blipFill>
-          <a:blip r:embed="rId4" cstate="print"/>
+          <a:blip r:embed="rId5" cstate="print"/>
           <a:stretch>
             <a:fillRect/>
           </a:stretch>
@@ -9787,7 +10036,7 @@
           <p:nvPr/>
         </p:nvPicPr>
         <p:blipFill>
-          <a:blip r:embed="rId5" cstate="print"/>
+          <a:blip r:embed="rId6" cstate="print"/>
           <a:stretch>
             <a:fillRect/>
           </a:stretch>
@@ -9869,7 +10118,7 @@
             <p:nvPr/>
           </p:nvPicPr>
           <p:blipFill>
-            <a:blip r:embed="rId6" cstate="print"/>
+            <a:blip r:embed="rId7" cstate="print"/>
             <a:stretch>
               <a:fillRect/>
             </a:stretch>
@@ -9891,7 +10140,7 @@
             <p:nvPr/>
           </p:nvPicPr>
           <p:blipFill>
-            <a:blip r:embed="rId7" cstate="print"/>
+            <a:blip r:embed="rId8" cstate="print"/>
             <a:stretch>
               <a:fillRect/>
             </a:stretch>
@@ -9913,7 +10162,7 @@
             <p:nvPr/>
           </p:nvPicPr>
           <p:blipFill>
-            <a:blip r:embed="rId8" cstate="print"/>
+            <a:blip r:embed="rId9" cstate="print"/>
             <a:stretch>
               <a:fillRect/>
             </a:stretch>
@@ -9936,7 +10185,7 @@
           <p:nvPr/>
         </p:nvPicPr>
         <p:blipFill>
-          <a:blip r:embed="rId9" cstate="print"/>
+          <a:blip r:embed="rId10" cstate="print"/>
           <a:stretch>
             <a:fillRect/>
           </a:stretch>
@@ -9964,9 +10213,11 @@
         <p:spPr/>
         <p:txBody>
           <a:bodyPr/>
+          <a:lstStyle/>
           <a:p>
             <a:fld id="{B6F15528-21DE-4FAA-801E-634DDDAF4B2B}" type="slidenum">
               <a:rPr/>
+              <a:t>18</a:t>
             </a:fld>
             <a:endParaRPr/>
           </a:p>
@@ -10042,7 +10293,9 @@
         <p:txBody>
           <a:bodyPr wrap="square" lIns="0" tIns="0" rIns="0" bIns="0" rtlCol="0"/>
           <a:lstStyle/>
-          <a:p/>
+          <a:p>
+            <a:endParaRPr/>
+          </a:p>
         </p:txBody>
       </p:sp>
       <p:grpSp>
@@ -10066,7 +10319,7 @@
             <p:nvPr/>
           </p:nvPicPr>
           <p:blipFill>
-            <a:blip r:embed="rId1" cstate="print"/>
+            <a:blip r:embed="rId2" cstate="print"/>
             <a:stretch>
               <a:fillRect/>
             </a:stretch>
@@ -10126,7 +10379,9 @@
           <p:txBody>
             <a:bodyPr wrap="square" lIns="0" tIns="0" rIns="0" bIns="0" rtlCol="0"/>
             <a:lstStyle/>
-            <a:p/>
+            <a:p>
+              <a:endParaRPr/>
+            </a:p>
           </p:txBody>
         </p:sp>
         <p:sp>
@@ -10186,7 +10441,9 @@
           <p:txBody>
             <a:bodyPr wrap="square" lIns="0" tIns="0" rIns="0" bIns="0" rtlCol="0"/>
             <a:lstStyle/>
-            <a:p/>
+            <a:p>
+              <a:endParaRPr/>
+            </a:p>
           </p:txBody>
         </p:sp>
       </p:grpSp>
@@ -10479,7 +10736,7 @@
           <p:nvPr/>
         </p:nvPicPr>
         <p:blipFill>
-          <a:blip r:embed="rId2" cstate="print"/>
+          <a:blip r:embed="rId3" cstate="print"/>
           <a:stretch>
             <a:fillRect/>
           </a:stretch>
@@ -10501,7 +10758,7 @@
           <p:nvPr/>
         </p:nvPicPr>
         <p:blipFill>
-          <a:blip r:embed="rId3" cstate="print"/>
+          <a:blip r:embed="rId4" cstate="print"/>
           <a:stretch>
             <a:fillRect/>
           </a:stretch>
@@ -10529,9 +10786,11 @@
         <p:spPr/>
         <p:txBody>
           <a:bodyPr/>
+          <a:lstStyle/>
           <a:p>
             <a:fld id="{B6F15528-21DE-4FAA-801E-634DDDAF4B2B}" type="slidenum">
               <a:rPr/>
+              <a:t>19</a:t>
             </a:fld>
             <a:endParaRPr/>
           </a:p>
@@ -10569,28 +10828,6 @@
           <p:nvPr/>
         </p:nvPicPr>
         <p:blipFill>
-          <a:blip r:embed="rId1" cstate="print"/>
-          <a:stretch>
-            <a:fillRect/>
-          </a:stretch>
-        </p:blipFill>
-        <p:spPr>
-          <a:xfrm>
-            <a:off x="0" y="0"/>
-            <a:ext cx="4636008" cy="6858000"/>
-          </a:xfrm>
-          <a:prstGeom prst="rect">
-            <a:avLst/>
-          </a:prstGeom>
-        </p:spPr>
-      </p:pic>
-      <p:pic>
-        <p:nvPicPr>
-          <p:cNvPr id="3" name="object 3"/>
-          <p:cNvPicPr/>
-          <p:nvPr/>
-        </p:nvPicPr>
-        <p:blipFill>
           <a:blip r:embed="rId2" cstate="print"/>
           <a:stretch>
             <a:fillRect/>
@@ -10598,8 +10835,8 @@
         </p:blipFill>
         <p:spPr>
           <a:xfrm>
-            <a:off x="5182234" y="1952498"/>
-            <a:ext cx="1561591" cy="365760"/>
+            <a:off x="0" y="0"/>
+            <a:ext cx="4636008" cy="6858000"/>
           </a:xfrm>
           <a:prstGeom prst="rect">
             <a:avLst/>
@@ -10608,7 +10845,7 @@
       </p:pic>
       <p:pic>
         <p:nvPicPr>
-          <p:cNvPr id="4" name="object 4"/>
+          <p:cNvPr id="3" name="object 3"/>
           <p:cNvPicPr/>
           <p:nvPr/>
         </p:nvPicPr>
@@ -10620,8 +10857,8 @@
         </p:blipFill>
         <p:spPr>
           <a:xfrm>
-            <a:off x="5182234" y="2546857"/>
-            <a:ext cx="3234309" cy="365760"/>
+            <a:off x="5182234" y="1952498"/>
+            <a:ext cx="1561591" cy="365760"/>
           </a:xfrm>
           <a:prstGeom prst="rect">
             <a:avLst/>
@@ -10630,7 +10867,7 @@
       </p:pic>
       <p:pic>
         <p:nvPicPr>
-          <p:cNvPr id="5" name="object 5"/>
+          <p:cNvPr id="4" name="object 4"/>
           <p:cNvPicPr/>
           <p:nvPr/>
         </p:nvPicPr>
@@ -10642,8 +10879,8 @@
         </p:blipFill>
         <p:spPr>
           <a:xfrm>
-            <a:off x="5182234" y="3140913"/>
-            <a:ext cx="4331080" cy="366064"/>
+            <a:off x="5182234" y="2546857"/>
+            <a:ext cx="3234309" cy="365760"/>
           </a:xfrm>
           <a:prstGeom prst="rect">
             <a:avLst/>
@@ -10652,7 +10889,7 @@
       </p:pic>
       <p:pic>
         <p:nvPicPr>
-          <p:cNvPr id="6" name="object 6"/>
+          <p:cNvPr id="5" name="object 5"/>
           <p:cNvPicPr/>
           <p:nvPr/>
         </p:nvPicPr>
@@ -10664,8 +10901,8 @@
         </p:blipFill>
         <p:spPr>
           <a:xfrm>
-            <a:off x="5182234" y="3735959"/>
-            <a:ext cx="3363976" cy="365760"/>
+            <a:off x="5182234" y="3140913"/>
+            <a:ext cx="4331080" cy="366064"/>
           </a:xfrm>
           <a:prstGeom prst="rect">
             <a:avLst/>
@@ -10674,7 +10911,7 @@
       </p:pic>
       <p:pic>
         <p:nvPicPr>
-          <p:cNvPr id="7" name="object 7"/>
+          <p:cNvPr id="6" name="object 6"/>
           <p:cNvPicPr/>
           <p:nvPr/>
         </p:nvPicPr>
@@ -10686,6 +10923,28 @@
         </p:blipFill>
         <p:spPr>
           <a:xfrm>
+            <a:off x="5182234" y="3735959"/>
+            <a:ext cx="3363976" cy="365760"/>
+          </a:xfrm>
+          <a:prstGeom prst="rect">
+            <a:avLst/>
+          </a:prstGeom>
+        </p:spPr>
+      </p:pic>
+      <p:pic>
+        <p:nvPicPr>
+          <p:cNvPr id="7" name="object 7"/>
+          <p:cNvPicPr/>
+          <p:nvPr/>
+        </p:nvPicPr>
+        <p:blipFill>
+          <a:blip r:embed="rId7" cstate="print"/>
+          <a:stretch>
+            <a:fillRect/>
+          </a:stretch>
+        </p:blipFill>
+        <p:spPr>
+          <a:xfrm>
             <a:off x="5182234" y="4330014"/>
             <a:ext cx="3578224" cy="366064"/>
           </a:xfrm>
@@ -10701,7 +10960,7 @@
           <p:nvPr/>
         </p:nvPicPr>
         <p:blipFill>
-          <a:blip r:embed="rId7" cstate="print"/>
+          <a:blip r:embed="rId8" cstate="print"/>
           <a:stretch>
             <a:fillRect/>
           </a:stretch>
@@ -10729,9 +10988,11 @@
         <p:spPr/>
         <p:txBody>
           <a:bodyPr/>
+          <a:lstStyle/>
           <a:p>
             <a:fld id="{B6F15528-21DE-4FAA-801E-634DDDAF4B2B}" type="slidenum">
               <a:rPr/>
+              <a:t>2</a:t>
             </a:fld>
             <a:endParaRPr/>
           </a:p>
@@ -10807,7 +11068,9 @@
         <p:txBody>
           <a:bodyPr wrap="square" lIns="0" tIns="0" rIns="0" bIns="0" rtlCol="0"/>
           <a:lstStyle/>
-          <a:p/>
+          <a:p>
+            <a:endParaRPr/>
+          </a:p>
         </p:txBody>
       </p:sp>
       <p:grpSp>
@@ -10831,7 +11094,7 @@
             <p:nvPr/>
           </p:nvPicPr>
           <p:blipFill>
-            <a:blip r:embed="rId1" cstate="print"/>
+            <a:blip r:embed="rId2" cstate="print"/>
             <a:stretch>
               <a:fillRect/>
             </a:stretch>
@@ -10891,7 +11154,9 @@
           <p:txBody>
             <a:bodyPr wrap="square" lIns="0" tIns="0" rIns="0" bIns="0" rtlCol="0"/>
             <a:lstStyle/>
-            <a:p/>
+            <a:p>
+              <a:endParaRPr/>
+            </a:p>
           </p:txBody>
         </p:sp>
         <p:sp>
@@ -10951,7 +11216,9 @@
           <p:txBody>
             <a:bodyPr wrap="square" lIns="0" tIns="0" rIns="0" bIns="0" rtlCol="0"/>
             <a:lstStyle/>
-            <a:p/>
+            <a:p>
+              <a:endParaRPr/>
+            </a:p>
           </p:txBody>
         </p:sp>
       </p:grpSp>
@@ -11011,7 +11278,7 @@
         </p:nvGraphicFramePr>
         <p:xfrm>
           <a:off x="343154" y="3785883"/>
-          <a:ext cx="2045335" cy="869315"/>
+          <a:ext cx="2044700" cy="869138"/>
         </p:xfrm>
         <a:graphic>
           <a:graphicData uri="http://schemas.openxmlformats.org/drawingml/2006/table">
@@ -11020,9 +11287,27 @@
                 <a:tableStyleId>{2D5ABB26-0587-4C30-8999-92F81FD0307C}</a:tableStyleId>
               </a:tblPr>
               <a:tblGrid>
-                <a:gridCol w="565150"/>
-                <a:gridCol w="762000"/>
-                <a:gridCol w="717550"/>
+                <a:gridCol w="565150">
+                  <a:extLst>
+                    <a:ext uri="{9D8B030D-6E8A-4147-A177-3AD203B41FA5}">
+                      <a16:colId xmlns:a16="http://schemas.microsoft.com/office/drawing/2014/main" val="20000"/>
+                    </a:ext>
+                  </a:extLst>
+                </a:gridCol>
+                <a:gridCol w="762000">
+                  <a:extLst>
+                    <a:ext uri="{9D8B030D-6E8A-4147-A177-3AD203B41FA5}">
+                      <a16:colId xmlns:a16="http://schemas.microsoft.com/office/drawing/2014/main" val="20001"/>
+                    </a:ext>
+                  </a:extLst>
+                </a:gridCol>
+                <a:gridCol w="717550">
+                  <a:extLst>
+                    <a:ext uri="{9D8B030D-6E8A-4147-A177-3AD203B41FA5}">
+                      <a16:colId xmlns:a16="http://schemas.microsoft.com/office/drawing/2014/main" val="20002"/>
+                    </a:ext>
+                  </a:extLst>
+                </a:gridCol>
               </a:tblGrid>
               <a:tr h="434368">
                 <a:tc>
@@ -11150,6 +11435,11 @@
                     </a:solidFill>
                   </a:tcPr>
                 </a:tc>
+                <a:extLst>
+                  <a:ext uri="{0D108BD9-81ED-4DB2-BD59-A6C34878D82A}">
+                    <a16:rowId xmlns:a16="http://schemas.microsoft.com/office/drawing/2014/main" val="10000"/>
+                  </a:ext>
+                </a:extLst>
               </a:tr>
               <a:tr h="434770">
                 <a:tc>
@@ -11277,6 +11567,11 @@
                     </a:solidFill>
                   </a:tcPr>
                 </a:tc>
+                <a:extLst>
+                  <a:ext uri="{0D108BD9-81ED-4DB2-BD59-A6C34878D82A}">
+                    <a16:rowId xmlns:a16="http://schemas.microsoft.com/office/drawing/2014/main" val="10001"/>
+                  </a:ext>
+                </a:extLst>
               </a:tr>
             </a:tbl>
           </a:graphicData>
@@ -11469,7 +11764,7 @@
           <p:nvPr/>
         </p:nvPicPr>
         <p:blipFill>
-          <a:blip r:embed="rId2" cstate="print"/>
+          <a:blip r:embed="rId3" cstate="print"/>
           <a:stretch>
             <a:fillRect/>
           </a:stretch>
@@ -11505,7 +11800,7 @@
             <p:nvPr/>
           </p:nvPicPr>
           <p:blipFill>
-            <a:blip r:embed="rId3" cstate="print"/>
+            <a:blip r:embed="rId4" cstate="print"/>
             <a:stretch>
               <a:fillRect/>
             </a:stretch>
@@ -11608,7 +11903,9 @@
           <p:txBody>
             <a:bodyPr wrap="square" lIns="0" tIns="0" rIns="0" bIns="0" rtlCol="0"/>
             <a:lstStyle/>
-            <a:p/>
+            <a:p>
+              <a:endParaRPr/>
+            </a:p>
           </p:txBody>
         </p:sp>
       </p:grpSp>
@@ -11766,9 +12063,11 @@
         <p:spPr/>
         <p:txBody>
           <a:bodyPr/>
+          <a:lstStyle/>
           <a:p>
             <a:fld id="{B6F15528-21DE-4FAA-801E-634DDDAF4B2B}" type="slidenum">
               <a:rPr/>
+              <a:t>20</a:t>
             </a:fld>
             <a:endParaRPr/>
           </a:p>
@@ -11806,7 +12105,7 @@
           <p:nvPr/>
         </p:nvPicPr>
         <p:blipFill>
-          <a:blip r:embed="rId1" cstate="print"/>
+          <a:blip r:embed="rId2" cstate="print"/>
           <a:stretch>
             <a:fillRect/>
           </a:stretch>
@@ -11828,7 +12127,7 @@
           <p:nvPr/>
         </p:nvPicPr>
         <p:blipFill>
-          <a:blip r:embed="rId2" cstate="print"/>
+          <a:blip r:embed="rId3" cstate="print"/>
           <a:stretch>
             <a:fillRect/>
           </a:stretch>
@@ -11864,7 +12163,7 @@
             <p:nvPr/>
           </p:nvPicPr>
           <p:blipFill>
-            <a:blip r:embed="rId3" cstate="print"/>
+            <a:blip r:embed="rId4" cstate="print"/>
             <a:stretch>
               <a:fillRect/>
             </a:stretch>
@@ -11886,7 +12185,7 @@
             <p:nvPr/>
           </p:nvPicPr>
           <p:blipFill>
-            <a:blip r:embed="rId4" cstate="print"/>
+            <a:blip r:embed="rId5" cstate="print"/>
             <a:stretch>
               <a:fillRect/>
             </a:stretch>
@@ -11909,7 +12208,7 @@
           <p:nvPr/>
         </p:nvPicPr>
         <p:blipFill>
-          <a:blip r:embed="rId5" cstate="print"/>
+          <a:blip r:embed="rId6" cstate="print"/>
           <a:stretch>
             <a:fillRect/>
           </a:stretch>
@@ -11931,7 +12230,7 @@
           <p:nvPr/>
         </p:nvPicPr>
         <p:blipFill>
-          <a:blip r:embed="rId6" cstate="print"/>
+          <a:blip r:embed="rId7" cstate="print"/>
           <a:stretch>
             <a:fillRect/>
           </a:stretch>
@@ -11953,7 +12252,7 @@
           <p:nvPr/>
         </p:nvPicPr>
         <p:blipFill>
-          <a:blip r:embed="rId7" cstate="print"/>
+          <a:blip r:embed="rId8" cstate="print"/>
           <a:stretch>
             <a:fillRect/>
           </a:stretch>
@@ -11989,7 +12288,7 @@
             <p:nvPr/>
           </p:nvPicPr>
           <p:blipFill>
-            <a:blip r:embed="rId8" cstate="print"/>
+            <a:blip r:embed="rId9" cstate="print"/>
             <a:stretch>
               <a:fillRect/>
             </a:stretch>
@@ -12011,7 +12310,7 @@
             <p:nvPr/>
           </p:nvPicPr>
           <p:blipFill>
-            <a:blip r:embed="rId9" cstate="print"/>
+            <a:blip r:embed="rId10" cstate="print"/>
             <a:stretch>
               <a:fillRect/>
             </a:stretch>
@@ -12033,7 +12332,7 @@
             <p:nvPr/>
           </p:nvPicPr>
           <p:blipFill>
-            <a:blip r:embed="rId10" cstate="print"/>
+            <a:blip r:embed="rId11" cstate="print"/>
             <a:stretch>
               <a:fillRect/>
             </a:stretch>
@@ -12056,7 +12355,7 @@
           <p:nvPr/>
         </p:nvPicPr>
         <p:blipFill>
-          <a:blip r:embed="rId11" cstate="print"/>
+          <a:blip r:embed="rId12" cstate="print"/>
           <a:stretch>
             <a:fillRect/>
           </a:stretch>
@@ -12078,7 +12377,7 @@
           <p:nvPr/>
         </p:nvPicPr>
         <p:blipFill>
-          <a:blip r:embed="rId12" cstate="print"/>
+          <a:blip r:embed="rId13" cstate="print"/>
           <a:stretch>
             <a:fillRect/>
           </a:stretch>
@@ -12100,7 +12399,7 @@
           <p:nvPr/>
         </p:nvPicPr>
         <p:blipFill>
-          <a:blip r:embed="rId13" cstate="print"/>
+          <a:blip r:embed="rId14" cstate="print"/>
           <a:stretch>
             <a:fillRect/>
           </a:stretch>
@@ -12136,7 +12435,7 @@
             <p:nvPr/>
           </p:nvPicPr>
           <p:blipFill>
-            <a:blip r:embed="rId14" cstate="print"/>
+            <a:blip r:embed="rId15" cstate="print"/>
             <a:stretch>
               <a:fillRect/>
             </a:stretch>
@@ -12158,7 +12457,7 @@
             <p:nvPr/>
           </p:nvPicPr>
           <p:blipFill>
-            <a:blip r:embed="rId15" cstate="print"/>
+            <a:blip r:embed="rId16" cstate="print"/>
             <a:stretch>
               <a:fillRect/>
             </a:stretch>
@@ -12181,7 +12480,7 @@
           <p:nvPr/>
         </p:nvPicPr>
         <p:blipFill>
-          <a:blip r:embed="rId16" cstate="print"/>
+          <a:blip r:embed="rId17" cstate="print"/>
           <a:stretch>
             <a:fillRect/>
           </a:stretch>
@@ -12203,7 +12502,7 @@
           <p:nvPr/>
         </p:nvPicPr>
         <p:blipFill>
-          <a:blip r:embed="rId17" cstate="print"/>
+          <a:blip r:embed="rId18" cstate="print"/>
           <a:stretch>
             <a:fillRect/>
           </a:stretch>
@@ -12231,9 +12530,11 @@
         <p:spPr/>
         <p:txBody>
           <a:bodyPr/>
+          <a:lstStyle/>
           <a:p>
             <a:fld id="{B6F15528-21DE-4FAA-801E-634DDDAF4B2B}" type="slidenum">
               <a:rPr/>
+              <a:t>21</a:t>
             </a:fld>
             <a:endParaRPr/>
           </a:p>
@@ -12309,7 +12610,9 @@
         <p:txBody>
           <a:bodyPr wrap="square" lIns="0" tIns="0" rIns="0" bIns="0" rtlCol="0"/>
           <a:lstStyle/>
-          <a:p/>
+          <a:p>
+            <a:endParaRPr/>
+          </a:p>
         </p:txBody>
       </p:sp>
       <p:sp>
@@ -12357,7 +12660,9 @@
         <p:txBody>
           <a:bodyPr wrap="square" lIns="0" tIns="0" rIns="0" bIns="0" rtlCol="0"/>
           <a:lstStyle/>
-          <a:p/>
+          <a:p>
+            <a:endParaRPr/>
+          </a:p>
         </p:txBody>
       </p:sp>
       <p:sp>
@@ -12405,7 +12710,9 @@
         <p:txBody>
           <a:bodyPr wrap="square" lIns="0" tIns="0" rIns="0" bIns="0" rtlCol="0"/>
           <a:lstStyle/>
-          <a:p/>
+          <a:p>
+            <a:endParaRPr/>
+          </a:p>
         </p:txBody>
       </p:sp>
       <p:pic>
@@ -12415,7 +12722,7 @@
           <p:nvPr/>
         </p:nvPicPr>
         <p:blipFill>
-          <a:blip r:embed="rId1" cstate="print"/>
+          <a:blip r:embed="rId2" cstate="print"/>
           <a:stretch>
             <a:fillRect/>
           </a:stretch>
@@ -12451,7 +12758,7 @@
             <p:nvPr/>
           </p:nvPicPr>
           <p:blipFill>
-            <a:blip r:embed="rId2" cstate="print"/>
+            <a:blip r:embed="rId3" cstate="print"/>
             <a:stretch>
               <a:fillRect/>
             </a:stretch>
@@ -12473,7 +12780,7 @@
             <p:nvPr/>
           </p:nvPicPr>
           <p:blipFill>
-            <a:blip r:embed="rId3" cstate="print"/>
+            <a:blip r:embed="rId4" cstate="print"/>
             <a:stretch>
               <a:fillRect/>
             </a:stretch>
@@ -12495,7 +12802,7 @@
             <p:nvPr/>
           </p:nvPicPr>
           <p:blipFill>
-            <a:blip r:embed="rId4" cstate="print"/>
+            <a:blip r:embed="rId5" cstate="print"/>
             <a:stretch>
               <a:fillRect/>
             </a:stretch>
@@ -12517,7 +12824,7 @@
             <p:nvPr/>
           </p:nvPicPr>
           <p:blipFill>
-            <a:blip r:embed="rId3" cstate="print"/>
+            <a:blip r:embed="rId4" cstate="print"/>
             <a:stretch>
               <a:fillRect/>
             </a:stretch>
@@ -12539,7 +12846,7 @@
             <p:nvPr/>
           </p:nvPicPr>
           <p:blipFill>
-            <a:blip r:embed="rId5" cstate="print"/>
+            <a:blip r:embed="rId6" cstate="print"/>
             <a:stretch>
               <a:fillRect/>
             </a:stretch>
@@ -12562,7 +12869,7 @@
           <p:nvPr/>
         </p:nvPicPr>
         <p:blipFill>
-          <a:blip r:embed="rId6" cstate="print"/>
+          <a:blip r:embed="rId7" cstate="print"/>
           <a:stretch>
             <a:fillRect/>
           </a:stretch>
@@ -12584,7 +12891,7 @@
           <p:nvPr/>
         </p:nvPicPr>
         <p:blipFill>
-          <a:blip r:embed="rId7" cstate="print"/>
+          <a:blip r:embed="rId8" cstate="print"/>
           <a:stretch>
             <a:fillRect/>
           </a:stretch>
@@ -12606,7 +12913,7 @@
           <p:nvPr/>
         </p:nvPicPr>
         <p:blipFill>
-          <a:blip r:embed="rId8" cstate="print"/>
+          <a:blip r:embed="rId9" cstate="print"/>
           <a:stretch>
             <a:fillRect/>
           </a:stretch>
@@ -12694,7 +13001,7 @@
           <p:nvPr/>
         </p:nvPicPr>
         <p:blipFill>
-          <a:blip r:embed="rId9" cstate="print"/>
+          <a:blip r:embed="rId10" cstate="print"/>
           <a:stretch>
             <a:fillRect/>
           </a:stretch>
@@ -12722,9 +13029,11 @@
         <p:spPr/>
         <p:txBody>
           <a:bodyPr/>
+          <a:lstStyle/>
           <a:p>
             <a:fld id="{B6F15528-21DE-4FAA-801E-634DDDAF4B2B}" type="slidenum">
               <a:rPr/>
+              <a:t>22</a:t>
             </a:fld>
             <a:endParaRPr/>
           </a:p>
@@ -12816,7 +13125,6 @@
               <a:rPr spc="-5" dirty="0"/>
               <a:t>50;</a:t>
             </a:r>
-            <a:endParaRPr spc="-5" dirty="0"/>
           </a:p>
         </p:txBody>
       </p:sp>
@@ -13126,7 +13434,7 @@
           <p:nvPr/>
         </p:nvPicPr>
         <p:blipFill>
-          <a:blip r:embed="rId1" cstate="print"/>
+          <a:blip r:embed="rId2" cstate="print"/>
           <a:stretch>
             <a:fillRect/>
           </a:stretch>
@@ -13148,7 +13456,7 @@
           <p:nvPr/>
         </p:nvPicPr>
         <p:blipFill>
-          <a:blip r:embed="rId2" cstate="print"/>
+          <a:blip r:embed="rId3" cstate="print"/>
           <a:stretch>
             <a:fillRect/>
           </a:stretch>
@@ -13216,7 +13524,7 @@
           <p:nvPr/>
         </p:nvPicPr>
         <p:blipFill>
-          <a:blip r:embed="rId3" cstate="print"/>
+          <a:blip r:embed="rId4" cstate="print"/>
           <a:stretch>
             <a:fillRect/>
           </a:stretch>
@@ -13238,7 +13546,7 @@
           <p:nvPr/>
         </p:nvPicPr>
         <p:blipFill>
-          <a:blip r:embed="rId4" cstate="print"/>
+          <a:blip r:embed="rId5" cstate="print"/>
           <a:stretch>
             <a:fillRect/>
           </a:stretch>
@@ -13306,7 +13614,7 @@
           <p:nvPr/>
         </p:nvPicPr>
         <p:blipFill>
-          <a:blip r:embed="rId5" cstate="print"/>
+          <a:blip r:embed="rId6" cstate="print"/>
           <a:stretch>
             <a:fillRect/>
           </a:stretch>
@@ -13334,9 +13642,11 @@
         <p:spPr/>
         <p:txBody>
           <a:bodyPr/>
+          <a:lstStyle/>
           <a:p>
             <a:fld id="{B6F15528-21DE-4FAA-801E-634DDDAF4B2B}" type="slidenum">
               <a:rPr/>
+              <a:t>23</a:t>
             </a:fld>
             <a:endParaRPr/>
           </a:p>
@@ -13374,7 +13684,7 @@
           <p:nvPr/>
         </p:nvPicPr>
         <p:blipFill>
-          <a:blip r:embed="rId1" cstate="print"/>
+          <a:blip r:embed="rId2" cstate="print"/>
           <a:stretch>
             <a:fillRect/>
           </a:stretch>
@@ -13396,7 +13706,7 @@
           <p:nvPr/>
         </p:nvPicPr>
         <p:blipFill>
-          <a:blip r:embed="rId2" cstate="print"/>
+          <a:blip r:embed="rId3" cstate="print"/>
           <a:stretch>
             <a:fillRect/>
           </a:stretch>
@@ -13432,7 +13742,7 @@
             <p:nvPr/>
           </p:nvPicPr>
           <p:blipFill>
-            <a:blip r:embed="rId3" cstate="print"/>
+            <a:blip r:embed="rId4" cstate="print"/>
             <a:stretch>
               <a:fillRect/>
             </a:stretch>
@@ -13454,7 +13764,7 @@
             <p:nvPr/>
           </p:nvPicPr>
           <p:blipFill>
-            <a:blip r:embed="rId4" cstate="print"/>
+            <a:blip r:embed="rId5" cstate="print"/>
             <a:stretch>
               <a:fillRect/>
             </a:stretch>
@@ -13477,7 +13787,7 @@
           <p:nvPr/>
         </p:nvPicPr>
         <p:blipFill>
-          <a:blip r:embed="rId5" cstate="print"/>
+          <a:blip r:embed="rId6" cstate="print"/>
           <a:stretch>
             <a:fillRect/>
           </a:stretch>
@@ -13499,7 +13809,7 @@
           <p:nvPr/>
         </p:nvPicPr>
         <p:blipFill>
-          <a:blip r:embed="rId6" cstate="print"/>
+          <a:blip r:embed="rId7" cstate="print"/>
           <a:stretch>
             <a:fillRect/>
           </a:stretch>
@@ -13535,7 +13845,7 @@
             <p:nvPr/>
           </p:nvPicPr>
           <p:blipFill>
-            <a:blip r:embed="rId7" cstate="print"/>
+            <a:blip r:embed="rId8" cstate="print"/>
             <a:stretch>
               <a:fillRect/>
             </a:stretch>
@@ -13557,7 +13867,7 @@
             <p:nvPr/>
           </p:nvPicPr>
           <p:blipFill>
-            <a:blip r:embed="rId8" cstate="print"/>
+            <a:blip r:embed="rId9" cstate="print"/>
             <a:stretch>
               <a:fillRect/>
             </a:stretch>
@@ -13594,7 +13904,7 @@
             <p:nvPr/>
           </p:nvPicPr>
           <p:blipFill>
-            <a:blip r:embed="rId9" cstate="print"/>
+            <a:blip r:embed="rId10" cstate="print"/>
             <a:stretch>
               <a:fillRect/>
             </a:stretch>
@@ -13616,7 +13926,7 @@
             <p:nvPr/>
           </p:nvPicPr>
           <p:blipFill>
-            <a:blip r:embed="rId10" cstate="print"/>
+            <a:blip r:embed="rId11" cstate="print"/>
             <a:stretch>
               <a:fillRect/>
             </a:stretch>
@@ -13639,28 +13949,6 @@
           <p:nvPr/>
         </p:nvPicPr>
         <p:blipFill>
-          <a:blip r:embed="rId11" cstate="print"/>
-          <a:stretch>
-            <a:fillRect/>
-          </a:stretch>
-        </p:blipFill>
-        <p:spPr>
-          <a:xfrm>
-            <a:off x="2820670" y="1752549"/>
-            <a:ext cx="6686042" cy="305104"/>
-          </a:xfrm>
-          <a:prstGeom prst="rect">
-            <a:avLst/>
-          </a:prstGeom>
-        </p:spPr>
-      </p:pic>
-      <p:pic>
-        <p:nvPicPr>
-          <p:cNvPr id="16" name="object 16"/>
-          <p:cNvPicPr/>
-          <p:nvPr/>
-        </p:nvPicPr>
-        <p:blipFill>
           <a:blip r:embed="rId12" cstate="print"/>
           <a:stretch>
             <a:fillRect/>
@@ -13668,8 +13956,8 @@
         </p:blipFill>
         <p:spPr>
           <a:xfrm>
-            <a:off x="1718986" y="2821533"/>
-            <a:ext cx="1269662" cy="1592021"/>
+            <a:off x="2820670" y="1752549"/>
+            <a:ext cx="6686042" cy="305104"/>
           </a:xfrm>
           <a:prstGeom prst="rect">
             <a:avLst/>
@@ -13678,7 +13966,7 @@
       </p:pic>
       <p:pic>
         <p:nvPicPr>
-          <p:cNvPr id="17" name="object 17"/>
+          <p:cNvPr id="16" name="object 16"/>
           <p:cNvPicPr/>
           <p:nvPr/>
         </p:nvPicPr>
@@ -13690,6 +13978,28 @@
         </p:blipFill>
         <p:spPr>
           <a:xfrm>
+            <a:off x="1718986" y="2821533"/>
+            <a:ext cx="1269662" cy="1592021"/>
+          </a:xfrm>
+          <a:prstGeom prst="rect">
+            <a:avLst/>
+          </a:prstGeom>
+        </p:spPr>
+      </p:pic>
+      <p:pic>
+        <p:nvPicPr>
+          <p:cNvPr id="17" name="object 17"/>
+          <p:cNvPicPr/>
+          <p:nvPr/>
+        </p:nvPicPr>
+        <p:blipFill>
+          <a:blip r:embed="rId14" cstate="print"/>
+          <a:stretch>
+            <a:fillRect/>
+          </a:stretch>
+        </p:blipFill>
+        <p:spPr>
+          <a:xfrm>
             <a:off x="5380327" y="2821533"/>
             <a:ext cx="1275035" cy="1592021"/>
           </a:xfrm>
@@ -13705,7 +14015,7 @@
           <p:nvPr/>
         </p:nvPicPr>
         <p:blipFill>
-          <a:blip r:embed="rId14" cstate="print"/>
+          <a:blip r:embed="rId15" cstate="print"/>
           <a:stretch>
             <a:fillRect/>
           </a:stretch>
@@ -13733,9 +14043,11 @@
         <p:spPr/>
         <p:txBody>
           <a:bodyPr/>
+          <a:lstStyle/>
           <a:p>
             <a:fld id="{B6F15528-21DE-4FAA-801E-634DDDAF4B2B}" type="slidenum">
               <a:rPr/>
+              <a:t>24</a:t>
             </a:fld>
             <a:endParaRPr/>
           </a:p>
@@ -13773,7 +14085,7 @@
           <p:nvPr/>
         </p:nvPicPr>
         <p:blipFill>
-          <a:blip r:embed="rId1" cstate="print"/>
+          <a:blip r:embed="rId2" cstate="print"/>
           <a:stretch>
             <a:fillRect/>
           </a:stretch>
@@ -13795,7 +14107,7 @@
           <p:nvPr/>
         </p:nvPicPr>
         <p:blipFill>
-          <a:blip r:embed="rId2" cstate="print"/>
+          <a:blip r:embed="rId3" cstate="print"/>
           <a:stretch>
             <a:fillRect/>
           </a:stretch>
@@ -13817,7 +14129,7 @@
           <p:nvPr/>
         </p:nvPicPr>
         <p:blipFill>
-          <a:blip r:embed="rId3" cstate="print"/>
+          <a:blip r:embed="rId4" cstate="print"/>
           <a:stretch>
             <a:fillRect/>
           </a:stretch>
@@ -13853,7 +14165,7 @@
             <p:nvPr/>
           </p:nvPicPr>
           <p:blipFill>
-            <a:blip r:embed="rId4" cstate="print"/>
+            <a:blip r:embed="rId5" cstate="print"/>
             <a:stretch>
               <a:fillRect/>
             </a:stretch>
@@ -13875,7 +14187,7 @@
             <p:nvPr/>
           </p:nvPicPr>
           <p:blipFill>
-            <a:blip r:embed="rId5" cstate="print"/>
+            <a:blip r:embed="rId6" cstate="print"/>
             <a:stretch>
               <a:fillRect/>
             </a:stretch>
@@ -13898,7 +14210,7 @@
           <p:nvPr/>
         </p:nvPicPr>
         <p:blipFill>
-          <a:blip r:embed="rId6" cstate="print"/>
+          <a:blip r:embed="rId7" cstate="print"/>
           <a:stretch>
             <a:fillRect/>
           </a:stretch>
@@ -13920,7 +14232,7 @@
           <p:nvPr/>
         </p:nvPicPr>
         <p:blipFill>
-          <a:blip r:embed="rId7" cstate="print"/>
+          <a:blip r:embed="rId8" cstate="print"/>
           <a:stretch>
             <a:fillRect/>
           </a:stretch>
@@ -13956,7 +14268,7 @@
             <p:nvPr/>
           </p:nvPicPr>
           <p:blipFill>
-            <a:blip r:embed="rId8" cstate="print"/>
+            <a:blip r:embed="rId9" cstate="print"/>
             <a:stretch>
               <a:fillRect/>
             </a:stretch>
@@ -13978,7 +14290,7 @@
             <p:nvPr/>
           </p:nvPicPr>
           <p:blipFill>
-            <a:blip r:embed="rId5" cstate="print"/>
+            <a:blip r:embed="rId6" cstate="print"/>
             <a:stretch>
               <a:fillRect/>
             </a:stretch>
@@ -14001,28 +14313,6 @@
           <p:nvPr/>
         </p:nvPicPr>
         <p:blipFill>
-          <a:blip r:embed="rId9" cstate="print"/>
-          <a:stretch>
-            <a:fillRect/>
-          </a:stretch>
-        </p:blipFill>
-        <p:spPr>
-          <a:xfrm>
-            <a:off x="8892823" y="2824280"/>
-            <a:ext cx="1584599" cy="1586070"/>
-          </a:xfrm>
-          <a:prstGeom prst="rect">
-            <a:avLst/>
-          </a:prstGeom>
-        </p:spPr>
-      </p:pic>
-      <p:pic>
-        <p:nvPicPr>
-          <p:cNvPr id="14" name="object 14"/>
-          <p:cNvPicPr/>
-          <p:nvPr/>
-        </p:nvPicPr>
-        <p:blipFill>
           <a:blip r:embed="rId10" cstate="print"/>
           <a:stretch>
             <a:fillRect/>
@@ -14030,8 +14320,8 @@
         </p:blipFill>
         <p:spPr>
           <a:xfrm>
-            <a:off x="8146668" y="4726559"/>
-            <a:ext cx="3203575" cy="304800"/>
+            <a:off x="8892823" y="2824280"/>
+            <a:ext cx="1584599" cy="1586070"/>
           </a:xfrm>
           <a:prstGeom prst="rect">
             <a:avLst/>
@@ -14040,7 +14330,7 @@
       </p:pic>
       <p:pic>
         <p:nvPicPr>
-          <p:cNvPr id="15" name="object 15"/>
+          <p:cNvPr id="14" name="object 14"/>
           <p:cNvPicPr/>
           <p:nvPr/>
         </p:nvPicPr>
@@ -14052,6 +14342,28 @@
         </p:blipFill>
         <p:spPr>
           <a:xfrm>
+            <a:off x="8146668" y="4726559"/>
+            <a:ext cx="3203575" cy="304800"/>
+          </a:xfrm>
+          <a:prstGeom prst="rect">
+            <a:avLst/>
+          </a:prstGeom>
+        </p:spPr>
+      </p:pic>
+      <p:pic>
+        <p:nvPicPr>
+          <p:cNvPr id="15" name="object 15"/>
+          <p:cNvPicPr/>
+          <p:nvPr/>
+        </p:nvPicPr>
+        <p:blipFill>
+          <a:blip r:embed="rId12" cstate="print"/>
+          <a:stretch>
+            <a:fillRect/>
+          </a:stretch>
+        </p:blipFill>
+        <p:spPr>
+          <a:xfrm>
             <a:off x="8460993" y="5187645"/>
             <a:ext cx="2566034" cy="274624"/>
           </a:xfrm>
@@ -14067,7 +14379,7 @@
           <p:nvPr/>
         </p:nvPicPr>
         <p:blipFill>
-          <a:blip r:embed="rId12" cstate="print"/>
+          <a:blip r:embed="rId13" cstate="print"/>
           <a:stretch>
             <a:fillRect/>
           </a:stretch>
@@ -14103,7 +14415,7 @@
             <p:nvPr/>
           </p:nvPicPr>
           <p:blipFill>
-            <a:blip r:embed="rId13" cstate="print"/>
+            <a:blip r:embed="rId14" cstate="print"/>
             <a:stretch>
               <a:fillRect/>
             </a:stretch>
@@ -14125,7 +14437,7 @@
             <p:nvPr/>
           </p:nvPicPr>
           <p:blipFill>
-            <a:blip r:embed="rId14" cstate="print"/>
+            <a:blip r:embed="rId15" cstate="print"/>
             <a:stretch>
               <a:fillRect/>
             </a:stretch>
@@ -14147,7 +14459,7 @@
             <p:nvPr/>
           </p:nvPicPr>
           <p:blipFill>
-            <a:blip r:embed="rId15" cstate="print"/>
+            <a:blip r:embed="rId16" cstate="print"/>
             <a:stretch>
               <a:fillRect/>
             </a:stretch>
@@ -14176,9 +14488,11 @@
         <p:spPr/>
         <p:txBody>
           <a:bodyPr/>
+          <a:lstStyle/>
           <a:p>
             <a:fld id="{B6F15528-21DE-4FAA-801E-634DDDAF4B2B}" type="slidenum">
               <a:rPr/>
+              <a:t>25</a:t>
             </a:fld>
             <a:endParaRPr/>
           </a:p>
@@ -14216,7 +14530,7 @@
           <p:nvPr/>
         </p:nvPicPr>
         <p:blipFill>
-          <a:blip r:embed="rId1" cstate="print"/>
+          <a:blip r:embed="rId2" cstate="print"/>
           <a:stretch>
             <a:fillRect/>
           </a:stretch>
@@ -14238,7 +14552,7 @@
           <p:nvPr/>
         </p:nvPicPr>
         <p:blipFill>
-          <a:blip r:embed="rId2" cstate="print"/>
+          <a:blip r:embed="rId3" cstate="print"/>
           <a:stretch>
             <a:fillRect/>
           </a:stretch>
@@ -14354,28 +14668,6 @@
           <p:nvPr/>
         </p:nvPicPr>
         <p:blipFill>
-          <a:blip r:embed="rId3" cstate="print"/>
-          <a:stretch>
-            <a:fillRect/>
-          </a:stretch>
-        </p:blipFill>
-        <p:spPr>
-          <a:xfrm>
-            <a:off x="5768975" y="1517903"/>
-            <a:ext cx="2421890" cy="365760"/>
-          </a:xfrm>
-          <a:prstGeom prst="rect">
-            <a:avLst/>
-          </a:prstGeom>
-        </p:spPr>
-      </p:pic>
-      <p:pic>
-        <p:nvPicPr>
-          <p:cNvPr id="6" name="object 6"/>
-          <p:cNvPicPr/>
-          <p:nvPr/>
-        </p:nvPicPr>
-        <p:blipFill>
           <a:blip r:embed="rId4" cstate="print"/>
           <a:stretch>
             <a:fillRect/>
@@ -14383,8 +14675,8 @@
         </p:blipFill>
         <p:spPr>
           <a:xfrm>
-            <a:off x="5768975" y="1960117"/>
-            <a:ext cx="5673852" cy="365760"/>
+            <a:off x="5768975" y="1517903"/>
+            <a:ext cx="2421890" cy="365760"/>
           </a:xfrm>
           <a:prstGeom prst="rect">
             <a:avLst/>
@@ -14393,7 +14685,7 @@
       </p:pic>
       <p:pic>
         <p:nvPicPr>
-          <p:cNvPr id="7" name="object 7"/>
+          <p:cNvPr id="6" name="object 6"/>
           <p:cNvPicPr/>
           <p:nvPr/>
         </p:nvPicPr>
@@ -14405,6 +14697,28 @@
         </p:blipFill>
         <p:spPr>
           <a:xfrm>
+            <a:off x="5768975" y="1960117"/>
+            <a:ext cx="5673852" cy="365760"/>
+          </a:xfrm>
+          <a:prstGeom prst="rect">
+            <a:avLst/>
+          </a:prstGeom>
+        </p:spPr>
+      </p:pic>
+      <p:pic>
+        <p:nvPicPr>
+          <p:cNvPr id="7" name="object 7"/>
+          <p:cNvPicPr/>
+          <p:nvPr/>
+        </p:nvPicPr>
+        <p:blipFill>
+          <a:blip r:embed="rId6" cstate="print"/>
+          <a:stretch>
+            <a:fillRect/>
+          </a:stretch>
+        </p:blipFill>
+        <p:spPr>
+          <a:xfrm>
             <a:off x="5768975" y="2402077"/>
             <a:ext cx="5680709" cy="365760"/>
           </a:xfrm>
@@ -14420,7 +14734,7 @@
           <p:nvPr/>
         </p:nvPicPr>
         <p:blipFill>
-          <a:blip r:embed="rId6" cstate="print"/>
+          <a:blip r:embed="rId7" cstate="print"/>
           <a:stretch>
             <a:fillRect/>
           </a:stretch>
@@ -14560,28 +14874,6 @@
           <p:nvPr/>
         </p:nvPicPr>
         <p:blipFill>
-          <a:blip r:embed="rId7" cstate="print"/>
-          <a:stretch>
-            <a:fillRect/>
-          </a:stretch>
-        </p:blipFill>
-        <p:spPr>
-          <a:xfrm>
-            <a:off x="5768975" y="3880739"/>
-            <a:ext cx="2168398" cy="365760"/>
-          </a:xfrm>
-          <a:prstGeom prst="rect">
-            <a:avLst/>
-          </a:prstGeom>
-        </p:spPr>
-      </p:pic>
-      <p:pic>
-        <p:nvPicPr>
-          <p:cNvPr id="11" name="object 11"/>
-          <p:cNvPicPr/>
-          <p:nvPr/>
-        </p:nvPicPr>
-        <p:blipFill>
           <a:blip r:embed="rId8" cstate="print"/>
           <a:stretch>
             <a:fillRect/>
@@ -14589,8 +14881,8 @@
         </p:blipFill>
         <p:spPr>
           <a:xfrm>
-            <a:off x="5768975" y="4322394"/>
-            <a:ext cx="3207130" cy="366064"/>
+            <a:off x="5768975" y="3880739"/>
+            <a:ext cx="2168398" cy="365760"/>
           </a:xfrm>
           <a:prstGeom prst="rect">
             <a:avLst/>
@@ -14599,7 +14891,7 @@
       </p:pic>
       <p:pic>
         <p:nvPicPr>
-          <p:cNvPr id="12" name="object 12"/>
+          <p:cNvPr id="11" name="object 11"/>
           <p:cNvPicPr/>
           <p:nvPr/>
         </p:nvPicPr>
@@ -14611,8 +14903,8 @@
         </p:blipFill>
         <p:spPr>
           <a:xfrm>
-            <a:off x="5768975" y="4764913"/>
-            <a:ext cx="2420238" cy="365760"/>
+            <a:off x="5768975" y="4322394"/>
+            <a:ext cx="3207130" cy="366064"/>
           </a:xfrm>
           <a:prstGeom prst="rect">
             <a:avLst/>
@@ -14621,7 +14913,7 @@
       </p:pic>
       <p:pic>
         <p:nvPicPr>
-          <p:cNvPr id="13" name="object 13"/>
+          <p:cNvPr id="12" name="object 12"/>
           <p:cNvPicPr/>
           <p:nvPr/>
         </p:nvPicPr>
@@ -14633,6 +14925,28 @@
         </p:blipFill>
         <p:spPr>
           <a:xfrm>
+            <a:off x="5768975" y="4764913"/>
+            <a:ext cx="2420238" cy="365760"/>
+          </a:xfrm>
+          <a:prstGeom prst="rect">
+            <a:avLst/>
+          </a:prstGeom>
+        </p:spPr>
+      </p:pic>
+      <p:pic>
+        <p:nvPicPr>
+          <p:cNvPr id="13" name="object 13"/>
+          <p:cNvPicPr/>
+          <p:nvPr/>
+        </p:nvPicPr>
+        <p:blipFill>
+          <a:blip r:embed="rId11" cstate="print"/>
+          <a:stretch>
+            <a:fillRect/>
+          </a:stretch>
+        </p:blipFill>
+        <p:spPr>
+          <a:xfrm>
             <a:off x="5768975" y="5206872"/>
             <a:ext cx="2184654" cy="365759"/>
           </a:xfrm>
@@ -14648,7 +14962,7 @@
           <p:nvPr/>
         </p:nvPicPr>
         <p:blipFill>
-          <a:blip r:embed="rId11" cstate="print"/>
+          <a:blip r:embed="rId12" cstate="print"/>
           <a:stretch>
             <a:fillRect/>
           </a:stretch>
@@ -14676,9 +14990,11 @@
         <p:spPr/>
         <p:txBody>
           <a:bodyPr/>
+          <a:lstStyle/>
           <a:p>
             <a:fld id="{B6F15528-21DE-4FAA-801E-634DDDAF4B2B}" type="slidenum">
               <a:rPr/>
+              <a:t>26</a:t>
             </a:fld>
             <a:endParaRPr/>
           </a:p>
@@ -14716,7 +15032,7 @@
           <p:nvPr/>
         </p:nvPicPr>
         <p:blipFill>
-          <a:blip r:embed="rId1" cstate="print"/>
+          <a:blip r:embed="rId2" cstate="print"/>
           <a:stretch>
             <a:fillRect/>
           </a:stretch>
@@ -14738,7 +15054,7 @@
           <p:nvPr/>
         </p:nvPicPr>
         <p:blipFill>
-          <a:blip r:embed="rId2" cstate="print"/>
+          <a:blip r:embed="rId3" cstate="print"/>
           <a:stretch>
             <a:fillRect/>
           </a:stretch>
@@ -14854,28 +15170,6 @@
           <p:nvPr/>
         </p:nvPicPr>
         <p:blipFill>
-          <a:blip r:embed="rId3" cstate="print"/>
-          <a:stretch>
-            <a:fillRect/>
-          </a:stretch>
-        </p:blipFill>
-        <p:spPr>
-          <a:xfrm>
-            <a:off x="5768975" y="1738579"/>
-            <a:ext cx="2513456" cy="366064"/>
-          </a:xfrm>
-          <a:prstGeom prst="rect">
-            <a:avLst/>
-          </a:prstGeom>
-        </p:spPr>
-      </p:pic>
-      <p:pic>
-        <p:nvPicPr>
-          <p:cNvPr id="6" name="object 6"/>
-          <p:cNvPicPr/>
-          <p:nvPr/>
-        </p:nvPicPr>
-        <p:blipFill>
           <a:blip r:embed="rId4" cstate="print"/>
           <a:stretch>
             <a:fillRect/>
@@ -14883,8 +15177,8 @@
         </p:blipFill>
         <p:spPr>
           <a:xfrm>
-            <a:off x="5768975" y="2181098"/>
-            <a:ext cx="3745484" cy="365760"/>
+            <a:off x="5768975" y="1738579"/>
+            <a:ext cx="2513456" cy="366064"/>
           </a:xfrm>
           <a:prstGeom prst="rect">
             <a:avLst/>
@@ -14893,7 +15187,7 @@
       </p:pic>
       <p:pic>
         <p:nvPicPr>
-          <p:cNvPr id="7" name="object 7"/>
+          <p:cNvPr id="6" name="object 6"/>
           <p:cNvPicPr/>
           <p:nvPr/>
         </p:nvPicPr>
@@ -14905,6 +15199,28 @@
         </p:blipFill>
         <p:spPr>
           <a:xfrm>
+            <a:off x="5768975" y="2181098"/>
+            <a:ext cx="3745484" cy="365760"/>
+          </a:xfrm>
+          <a:prstGeom prst="rect">
+            <a:avLst/>
+          </a:prstGeom>
+        </p:spPr>
+      </p:pic>
+      <p:pic>
+        <p:nvPicPr>
+          <p:cNvPr id="7" name="object 7"/>
+          <p:cNvPicPr/>
+          <p:nvPr/>
+        </p:nvPicPr>
+        <p:blipFill>
+          <a:blip r:embed="rId6" cstate="print"/>
+          <a:stretch>
+            <a:fillRect/>
+          </a:stretch>
+        </p:blipFill>
+        <p:spPr>
+          <a:xfrm>
             <a:off x="5768975" y="2623057"/>
             <a:ext cx="5234813" cy="365760"/>
           </a:xfrm>
@@ -14920,7 +15236,7 @@
           <p:nvPr/>
         </p:nvPicPr>
         <p:blipFill>
-          <a:blip r:embed="rId6" cstate="print"/>
+          <a:blip r:embed="rId7" cstate="print"/>
           <a:stretch>
             <a:fillRect/>
           </a:stretch>
@@ -15050,7 +15366,7 @@
             <p:nvPr/>
           </p:nvPicPr>
           <p:blipFill>
-            <a:blip r:embed="rId7" cstate="print"/>
+            <a:blip r:embed="rId8" cstate="print"/>
             <a:stretch>
               <a:fillRect/>
             </a:stretch>
@@ -15072,7 +15388,7 @@
             <p:nvPr/>
           </p:nvPicPr>
           <p:blipFill>
-            <a:blip r:embed="rId8" cstate="print"/>
+            <a:blip r:embed="rId9" cstate="print"/>
             <a:stretch>
               <a:fillRect/>
             </a:stretch>
@@ -15094,7 +15410,7 @@
             <p:nvPr/>
           </p:nvPicPr>
           <p:blipFill>
-            <a:blip r:embed="rId9" cstate="print"/>
+            <a:blip r:embed="rId10" cstate="print"/>
             <a:stretch>
               <a:fillRect/>
             </a:stretch>
@@ -15131,7 +15447,7 @@
             <p:nvPr/>
           </p:nvPicPr>
           <p:blipFill>
-            <a:blip r:embed="rId10" cstate="print"/>
+            <a:blip r:embed="rId11" cstate="print"/>
             <a:stretch>
               <a:fillRect/>
             </a:stretch>
@@ -15153,7 +15469,7 @@
             <p:nvPr/>
           </p:nvPicPr>
           <p:blipFill>
-            <a:blip r:embed="rId8" cstate="print"/>
+            <a:blip r:embed="rId9" cstate="print"/>
             <a:stretch>
               <a:fillRect/>
             </a:stretch>
@@ -15175,7 +15491,7 @@
             <p:nvPr/>
           </p:nvPicPr>
           <p:blipFill>
-            <a:blip r:embed="rId11" cstate="print"/>
+            <a:blip r:embed="rId12" cstate="print"/>
             <a:stretch>
               <a:fillRect/>
             </a:stretch>
@@ -15197,7 +15513,7 @@
             <p:nvPr/>
           </p:nvPicPr>
           <p:blipFill>
-            <a:blip r:embed="rId8" cstate="print"/>
+            <a:blip r:embed="rId9" cstate="print"/>
             <a:stretch>
               <a:fillRect/>
             </a:stretch>
@@ -15219,7 +15535,7 @@
             <p:nvPr/>
           </p:nvPicPr>
           <p:blipFill>
-            <a:blip r:embed="rId12" cstate="print"/>
+            <a:blip r:embed="rId13" cstate="print"/>
             <a:stretch>
               <a:fillRect/>
             </a:stretch>
@@ -15242,7 +15558,7 @@
           <p:nvPr/>
         </p:nvPicPr>
         <p:blipFill>
-          <a:blip r:embed="rId13" cstate="print"/>
+          <a:blip r:embed="rId14" cstate="print"/>
           <a:stretch>
             <a:fillRect/>
           </a:stretch>
@@ -15264,7 +15580,7 @@
           <p:nvPr/>
         </p:nvPicPr>
         <p:blipFill>
-          <a:blip r:embed="rId14" cstate="print"/>
+          <a:blip r:embed="rId15" cstate="print"/>
           <a:stretch>
             <a:fillRect/>
           </a:stretch>
@@ -15292,9 +15608,11 @@
         <p:spPr/>
         <p:txBody>
           <a:bodyPr/>
+          <a:lstStyle/>
           <a:p>
             <a:fld id="{B6F15528-21DE-4FAA-801E-634DDDAF4B2B}" type="slidenum">
               <a:rPr/>
+              <a:t>27</a:t>
             </a:fld>
             <a:endParaRPr/>
           </a:p>
@@ -15332,7 +15650,7 @@
           <p:nvPr/>
         </p:nvPicPr>
         <p:blipFill>
-          <a:blip r:embed="rId1" cstate="print"/>
+          <a:blip r:embed="rId2" cstate="print"/>
           <a:stretch>
             <a:fillRect/>
           </a:stretch>
@@ -15354,7 +15672,7 @@
           <p:nvPr/>
         </p:nvPicPr>
         <p:blipFill>
-          <a:blip r:embed="rId2" cstate="print"/>
+          <a:blip r:embed="rId3" cstate="print"/>
           <a:stretch>
             <a:fillRect/>
           </a:stretch>
@@ -15436,7 +15754,7 @@
             <p:nvPr/>
           </p:nvPicPr>
           <p:blipFill>
-            <a:blip r:embed="rId3" cstate="print"/>
+            <a:blip r:embed="rId4" cstate="print"/>
             <a:stretch>
               <a:fillRect/>
             </a:stretch>
@@ -15458,7 +15776,7 @@
             <p:nvPr/>
           </p:nvPicPr>
           <p:blipFill>
-            <a:blip r:embed="rId4" cstate="print"/>
+            <a:blip r:embed="rId5" cstate="print"/>
             <a:stretch>
               <a:fillRect/>
             </a:stretch>
@@ -15481,7 +15799,7 @@
           <p:nvPr/>
         </p:nvPicPr>
         <p:blipFill>
-          <a:blip r:embed="rId5" cstate="print"/>
+          <a:blip r:embed="rId6" cstate="print"/>
           <a:stretch>
             <a:fillRect/>
           </a:stretch>
@@ -15597,7 +15915,7 @@
           <p:nvPr/>
         </p:nvPicPr>
         <p:blipFill>
-          <a:blip r:embed="rId6" cstate="print"/>
+          <a:blip r:embed="rId7" cstate="print"/>
           <a:stretch>
             <a:fillRect/>
           </a:stretch>
@@ -15619,7 +15937,7 @@
           <p:nvPr/>
         </p:nvPicPr>
         <p:blipFill>
-          <a:blip r:embed="rId7" cstate="print"/>
+          <a:blip r:embed="rId8" cstate="print"/>
           <a:stretch>
             <a:fillRect/>
           </a:stretch>
@@ -15655,7 +15973,7 @@
             <p:nvPr/>
           </p:nvPicPr>
           <p:blipFill>
-            <a:blip r:embed="rId8" cstate="print"/>
+            <a:blip r:embed="rId9" cstate="print"/>
             <a:stretch>
               <a:fillRect/>
             </a:stretch>
@@ -15677,7 +15995,7 @@
             <p:nvPr/>
           </p:nvPicPr>
           <p:blipFill>
-            <a:blip r:embed="rId9" cstate="print"/>
+            <a:blip r:embed="rId10" cstate="print"/>
             <a:stretch>
               <a:fillRect/>
             </a:stretch>
@@ -15699,7 +16017,7 @@
             <p:nvPr/>
           </p:nvPicPr>
           <p:blipFill>
-            <a:blip r:embed="rId10" cstate="print"/>
+            <a:blip r:embed="rId11" cstate="print"/>
             <a:stretch>
               <a:fillRect/>
             </a:stretch>
@@ -15722,7 +16040,7 @@
           <p:nvPr/>
         </p:nvPicPr>
         <p:blipFill>
-          <a:blip r:embed="rId11" cstate="print"/>
+          <a:blip r:embed="rId12" cstate="print"/>
           <a:stretch>
             <a:fillRect/>
           </a:stretch>
@@ -15750,9 +16068,11 @@
         <p:spPr/>
         <p:txBody>
           <a:bodyPr/>
+          <a:lstStyle/>
           <a:p>
             <a:fld id="{B6F15528-21DE-4FAA-801E-634DDDAF4B2B}" type="slidenum">
               <a:rPr/>
+              <a:t>28</a:t>
             </a:fld>
             <a:endParaRPr/>
           </a:p>
@@ -15828,7 +16148,9 @@
         <p:txBody>
           <a:bodyPr wrap="square" lIns="0" tIns="0" rIns="0" bIns="0" rtlCol="0"/>
           <a:lstStyle/>
-          <a:p/>
+          <a:p>
+            <a:endParaRPr/>
+          </a:p>
         </p:txBody>
       </p:sp>
       <p:sp>
@@ -16101,7 +16423,7 @@
           <p:nvPr/>
         </p:nvPicPr>
         <p:blipFill>
-          <a:blip r:embed="rId1" cstate="print"/>
+          <a:blip r:embed="rId2" cstate="print"/>
           <a:stretch>
             <a:fillRect/>
           </a:stretch>
@@ -16123,7 +16445,7 @@
           <p:nvPr/>
         </p:nvPicPr>
         <p:blipFill>
-          <a:blip r:embed="rId2" cstate="print"/>
+          <a:blip r:embed="rId3" cstate="print"/>
           <a:stretch>
             <a:fillRect/>
           </a:stretch>
@@ -16145,7 +16467,7 @@
           <p:nvPr/>
         </p:nvPicPr>
         <p:blipFill>
-          <a:blip r:embed="rId3" cstate="print"/>
+          <a:blip r:embed="rId4" cstate="print"/>
           <a:stretch>
             <a:fillRect/>
           </a:stretch>
@@ -16173,9 +16495,11 @@
         <p:spPr/>
         <p:txBody>
           <a:bodyPr/>
+          <a:lstStyle/>
           <a:p>
             <a:fld id="{B6F15528-21DE-4FAA-801E-634DDDAF4B2B}" type="slidenum">
               <a:rPr/>
+              <a:t>3</a:t>
             </a:fld>
             <a:endParaRPr/>
           </a:p>
@@ -16259,7 +16583,6 @@
               <a:rPr spc="-5" dirty="0"/>
               <a:t>;</a:t>
             </a:r>
-            <a:endParaRPr spc="-5" dirty="0"/>
           </a:p>
           <a:p>
             <a:pPr marL="12700" marR="5080">
@@ -16314,7 +16637,6 @@
               <a:rPr spc="-5" dirty="0"/>
               <a:t>;</a:t>
             </a:r>
-            <a:endParaRPr spc="-5" dirty="0"/>
           </a:p>
         </p:txBody>
       </p:sp>
@@ -16325,7 +16647,7 @@
           <p:nvPr/>
         </p:nvPicPr>
         <p:blipFill>
-          <a:blip r:embed="rId1" cstate="print"/>
+          <a:blip r:embed="rId3" cstate="print"/>
           <a:stretch>
             <a:fillRect/>
           </a:stretch>
@@ -16347,7 +16669,7 @@
           <p:nvPr/>
         </p:nvPicPr>
         <p:blipFill>
-          <a:blip r:embed="rId2" cstate="print"/>
+          <a:blip r:embed="rId4" cstate="print"/>
           <a:stretch>
             <a:fillRect/>
           </a:stretch>
@@ -16369,7 +16691,7 @@
           <p:nvPr/>
         </p:nvPicPr>
         <p:blipFill>
-          <a:blip r:embed="rId3" cstate="print"/>
+          <a:blip r:embed="rId5" cstate="print"/>
           <a:stretch>
             <a:fillRect/>
           </a:stretch>
@@ -16453,7 +16775,9 @@
         <p:txBody>
           <a:bodyPr wrap="square" lIns="0" tIns="0" rIns="0" bIns="0" rtlCol="0"/>
           <a:lstStyle/>
-          <a:p/>
+          <a:p>
+            <a:endParaRPr/>
+          </a:p>
         </p:txBody>
       </p:sp>
       <p:sp>
@@ -16469,9 +16793,11 @@
         <p:spPr/>
         <p:txBody>
           <a:bodyPr/>
+          <a:lstStyle/>
           <a:p>
             <a:fld id="{B6F15528-21DE-4FAA-801E-634DDDAF4B2B}" type="slidenum">
               <a:rPr/>
+              <a:t>4</a:t>
             </a:fld>
             <a:endParaRPr/>
           </a:p>
@@ -16547,7 +16873,9 @@
         <p:txBody>
           <a:bodyPr wrap="square" lIns="0" tIns="0" rIns="0" bIns="0" rtlCol="0"/>
           <a:lstStyle/>
-          <a:p/>
+          <a:p>
+            <a:endParaRPr/>
+          </a:p>
         </p:txBody>
       </p:sp>
       <p:sp>
@@ -16875,7 +17203,7 @@
           <p:nvPr/>
         </p:nvPicPr>
         <p:blipFill>
-          <a:blip r:embed="rId1" cstate="print"/>
+          <a:blip r:embed="rId2" cstate="print"/>
           <a:stretch>
             <a:fillRect/>
           </a:stretch>
@@ -16897,7 +17225,7 @@
           <p:nvPr/>
         </p:nvPicPr>
         <p:blipFill>
-          <a:blip r:embed="rId2" cstate="print"/>
+          <a:blip r:embed="rId3" cstate="print"/>
           <a:stretch>
             <a:fillRect/>
           </a:stretch>
@@ -16919,7 +17247,7 @@
           <p:nvPr/>
         </p:nvPicPr>
         <p:blipFill>
-          <a:blip r:embed="rId3" cstate="print"/>
+          <a:blip r:embed="rId4" cstate="print"/>
           <a:stretch>
             <a:fillRect/>
           </a:stretch>
@@ -16947,9 +17275,11 @@
         <p:spPr/>
         <p:txBody>
           <a:bodyPr/>
+          <a:lstStyle/>
           <a:p>
             <a:fld id="{B6F15528-21DE-4FAA-801E-634DDDAF4B2B}" type="slidenum">
               <a:rPr/>
+              <a:t>5</a:t>
             </a:fld>
             <a:endParaRPr/>
           </a:p>
@@ -17025,7 +17355,9 @@
         <p:txBody>
           <a:bodyPr wrap="square" lIns="0" tIns="0" rIns="0" bIns="0" rtlCol="0"/>
           <a:lstStyle/>
-          <a:p/>
+          <a:p>
+            <a:endParaRPr/>
+          </a:p>
         </p:txBody>
       </p:sp>
       <p:grpSp>
@@ -17049,7 +17381,7 @@
             <p:nvPr/>
           </p:nvPicPr>
           <p:blipFill>
-            <a:blip r:embed="rId1" cstate="print"/>
+            <a:blip r:embed="rId2" cstate="print"/>
             <a:stretch>
               <a:fillRect/>
             </a:stretch>
@@ -17109,7 +17441,9 @@
           <p:txBody>
             <a:bodyPr wrap="square" lIns="0" tIns="0" rIns="0" bIns="0" rtlCol="0"/>
             <a:lstStyle/>
-            <a:p/>
+            <a:p>
+              <a:endParaRPr/>
+            </a:p>
           </p:txBody>
         </p:sp>
         <p:sp>
@@ -17169,7 +17503,9 @@
           <p:txBody>
             <a:bodyPr wrap="square" lIns="0" tIns="0" rIns="0" bIns="0" rtlCol="0"/>
             <a:lstStyle/>
-            <a:p/>
+            <a:p>
+              <a:endParaRPr/>
+            </a:p>
           </p:txBody>
         </p:sp>
       </p:grpSp>
@@ -17689,7 +18025,7 @@
           <p:nvPr/>
         </p:nvPicPr>
         <p:blipFill>
-          <a:blip r:embed="rId2" cstate="print"/>
+          <a:blip r:embed="rId3" cstate="print"/>
           <a:stretch>
             <a:fillRect/>
           </a:stretch>
@@ -17711,7 +18047,7 @@
           <p:nvPr/>
         </p:nvPicPr>
         <p:blipFill>
-          <a:blip r:embed="rId3" cstate="print"/>
+          <a:blip r:embed="rId4" cstate="print"/>
           <a:stretch>
             <a:fillRect/>
           </a:stretch>
@@ -17739,9 +18075,11 @@
         <p:spPr/>
         <p:txBody>
           <a:bodyPr/>
+          <a:lstStyle/>
           <a:p>
             <a:fld id="{B6F15528-21DE-4FAA-801E-634DDDAF4B2B}" type="slidenum">
               <a:rPr/>
+              <a:t>6</a:t>
             </a:fld>
             <a:endParaRPr/>
           </a:p>
@@ -17817,7 +18155,9 @@
         <p:txBody>
           <a:bodyPr wrap="square" lIns="0" tIns="0" rIns="0" bIns="0" rtlCol="0"/>
           <a:lstStyle/>
-          <a:p/>
+          <a:p>
+            <a:endParaRPr/>
+          </a:p>
         </p:txBody>
       </p:sp>
       <p:sp>
@@ -18145,28 +18485,6 @@
           <p:nvPr/>
         </p:nvPicPr>
         <p:blipFill>
-          <a:blip r:embed="rId1" cstate="print"/>
-          <a:stretch>
-            <a:fillRect/>
-          </a:stretch>
-        </p:blipFill>
-        <p:spPr>
-          <a:xfrm>
-            <a:off x="374904" y="4056583"/>
-            <a:ext cx="7368032" cy="548944"/>
-          </a:xfrm>
-          <a:prstGeom prst="rect">
-            <a:avLst/>
-          </a:prstGeom>
-        </p:spPr>
-      </p:pic>
-      <p:pic>
-        <p:nvPicPr>
-          <p:cNvPr id="5" name="object 5"/>
-          <p:cNvPicPr/>
-          <p:nvPr/>
-        </p:nvPicPr>
-        <p:blipFill>
           <a:blip r:embed="rId2" cstate="print"/>
           <a:stretch>
             <a:fillRect/>
@@ -18174,8 +18492,8 @@
         </p:blipFill>
         <p:spPr>
           <a:xfrm>
-            <a:off x="419100" y="4738065"/>
-            <a:ext cx="2609596" cy="335584"/>
+            <a:off x="374904" y="4056583"/>
+            <a:ext cx="7368032" cy="548944"/>
           </a:xfrm>
           <a:prstGeom prst="rect">
             <a:avLst/>
@@ -18184,7 +18502,7 @@
       </p:pic>
       <p:pic>
         <p:nvPicPr>
-          <p:cNvPr id="6" name="object 6"/>
+          <p:cNvPr id="5" name="object 5"/>
           <p:cNvPicPr/>
           <p:nvPr/>
         </p:nvPicPr>
@@ -18196,6 +18514,28 @@
         </p:blipFill>
         <p:spPr>
           <a:xfrm>
+            <a:off x="419100" y="4738065"/>
+            <a:ext cx="2609596" cy="335584"/>
+          </a:xfrm>
+          <a:prstGeom prst="rect">
+            <a:avLst/>
+          </a:prstGeom>
+        </p:spPr>
+      </p:pic>
+      <p:pic>
+        <p:nvPicPr>
+          <p:cNvPr id="6" name="object 6"/>
+          <p:cNvPicPr/>
+          <p:nvPr/>
+        </p:nvPicPr>
+        <p:blipFill>
+          <a:blip r:embed="rId4" cstate="print"/>
+          <a:stretch>
+            <a:fillRect/>
+          </a:stretch>
+        </p:blipFill>
+        <p:spPr>
+          <a:xfrm>
             <a:off x="419100" y="5302605"/>
             <a:ext cx="4984242" cy="335280"/>
           </a:xfrm>
@@ -18211,7 +18551,7 @@
           <p:nvPr/>
         </p:nvPicPr>
         <p:blipFill>
-          <a:blip r:embed="rId4" cstate="print"/>
+          <a:blip r:embed="rId5" cstate="print"/>
           <a:stretch>
             <a:fillRect/>
           </a:stretch>
@@ -18239,9 +18579,11 @@
         <p:spPr/>
         <p:txBody>
           <a:bodyPr/>
+          <a:lstStyle/>
           <a:p>
             <a:fld id="{B6F15528-21DE-4FAA-801E-634DDDAF4B2B}" type="slidenum">
               <a:rPr/>
+              <a:t>7</a:t>
             </a:fld>
             <a:endParaRPr/>
           </a:p>
@@ -18279,28 +18621,6 @@
           <p:nvPr/>
         </p:nvPicPr>
         <p:blipFill>
-          <a:blip r:embed="rId1" cstate="print"/>
-          <a:stretch>
-            <a:fillRect/>
-          </a:stretch>
-        </p:blipFill>
-        <p:spPr>
-          <a:xfrm>
-            <a:off x="1171939" y="1868415"/>
-            <a:ext cx="2356650" cy="2350535"/>
-          </a:xfrm>
-          <a:prstGeom prst="rect">
-            <a:avLst/>
-          </a:prstGeom>
-        </p:spPr>
-      </p:pic>
-      <p:pic>
-        <p:nvPicPr>
-          <p:cNvPr id="3" name="object 3"/>
-          <p:cNvPicPr/>
-          <p:nvPr/>
-        </p:nvPicPr>
-        <p:blipFill>
           <a:blip r:embed="rId2" cstate="print"/>
           <a:stretch>
             <a:fillRect/>
@@ -18308,8 +18628,8 @@
         </p:blipFill>
         <p:spPr>
           <a:xfrm>
-            <a:off x="4852235" y="1965774"/>
-            <a:ext cx="2481716" cy="2161689"/>
+            <a:off x="1171939" y="1868415"/>
+            <a:ext cx="2356650" cy="2350535"/>
           </a:xfrm>
           <a:prstGeom prst="rect">
             <a:avLst/>
@@ -18318,7 +18638,7 @@
       </p:pic>
       <p:pic>
         <p:nvPicPr>
-          <p:cNvPr id="4" name="object 4"/>
+          <p:cNvPr id="3" name="object 3"/>
           <p:cNvPicPr/>
           <p:nvPr/>
         </p:nvPicPr>
@@ -18330,8 +18650,8 @@
         </p:blipFill>
         <p:spPr>
           <a:xfrm>
-            <a:off x="8615429" y="1955106"/>
-            <a:ext cx="2430264" cy="2175688"/>
+            <a:off x="4852235" y="1965774"/>
+            <a:ext cx="2481716" cy="2161689"/>
           </a:xfrm>
           <a:prstGeom prst="rect">
             <a:avLst/>
@@ -18340,7 +18660,7 @@
       </p:pic>
       <p:pic>
         <p:nvPicPr>
-          <p:cNvPr id="5" name="object 5"/>
+          <p:cNvPr id="4" name="object 4"/>
           <p:cNvPicPr/>
           <p:nvPr/>
         </p:nvPicPr>
@@ -18352,6 +18672,28 @@
         </p:blipFill>
         <p:spPr>
           <a:xfrm>
+            <a:off x="8615429" y="1955106"/>
+            <a:ext cx="2430264" cy="2175688"/>
+          </a:xfrm>
+          <a:prstGeom prst="rect">
+            <a:avLst/>
+          </a:prstGeom>
+        </p:spPr>
+      </p:pic>
+      <p:pic>
+        <p:nvPicPr>
+          <p:cNvPr id="5" name="object 5"/>
+          <p:cNvPicPr/>
+          <p:nvPr/>
+        </p:nvPicPr>
+        <p:blipFill>
+          <a:blip r:embed="rId5" cstate="print"/>
+          <a:stretch>
+            <a:fillRect/>
+          </a:stretch>
+        </p:blipFill>
+        <p:spPr>
+          <a:xfrm>
             <a:off x="894283" y="4569282"/>
             <a:ext cx="3045714" cy="305104"/>
           </a:xfrm>
@@ -18367,7 +18709,7 @@
           <p:nvPr/>
         </p:nvPicPr>
         <p:blipFill>
-          <a:blip r:embed="rId5" cstate="print"/>
+          <a:blip r:embed="rId6" cstate="print"/>
           <a:stretch>
             <a:fillRect/>
           </a:stretch>
@@ -18403,7 +18745,7 @@
             <p:nvPr/>
           </p:nvPicPr>
           <p:blipFill>
-            <a:blip r:embed="rId6" cstate="print"/>
+            <a:blip r:embed="rId7" cstate="print"/>
             <a:stretch>
               <a:fillRect/>
             </a:stretch>
@@ -18425,7 +18767,7 @@
             <p:nvPr/>
           </p:nvPicPr>
           <p:blipFill>
-            <a:blip r:embed="rId7" cstate="print"/>
+            <a:blip r:embed="rId8" cstate="print"/>
             <a:stretch>
               <a:fillRect/>
             </a:stretch>
@@ -18448,28 +18790,6 @@
           <p:nvPr/>
         </p:nvPicPr>
         <p:blipFill>
-          <a:blip r:embed="rId8" cstate="print"/>
-          <a:stretch>
-            <a:fillRect/>
-          </a:stretch>
-        </p:blipFill>
-        <p:spPr>
-          <a:xfrm>
-            <a:off x="8823706" y="4569282"/>
-            <a:ext cx="2147697" cy="305104"/>
-          </a:xfrm>
-          <a:prstGeom prst="rect">
-            <a:avLst/>
-          </a:prstGeom>
-        </p:spPr>
-      </p:pic>
-      <p:pic>
-        <p:nvPicPr>
-          <p:cNvPr id="11" name="object 11"/>
-          <p:cNvPicPr/>
-          <p:nvPr/>
-        </p:nvPicPr>
-        <p:blipFill>
           <a:blip r:embed="rId9" cstate="print"/>
           <a:stretch>
             <a:fillRect/>
@@ -18477,8 +18797,8 @@
         </p:blipFill>
         <p:spPr>
           <a:xfrm>
-            <a:off x="9416542" y="4950840"/>
-            <a:ext cx="947839" cy="274319"/>
+            <a:off x="8823706" y="4569282"/>
+            <a:ext cx="2147697" cy="305104"/>
           </a:xfrm>
           <a:prstGeom prst="rect">
             <a:avLst/>
@@ -18487,7 +18807,7 @@
       </p:pic>
       <p:pic>
         <p:nvPicPr>
-          <p:cNvPr id="12" name="object 12"/>
+          <p:cNvPr id="11" name="object 11"/>
           <p:cNvPicPr/>
           <p:nvPr/>
         </p:nvPicPr>
@@ -18499,8 +18819,8 @@
         </p:blipFill>
         <p:spPr>
           <a:xfrm>
-            <a:off x="9018778" y="5301360"/>
-            <a:ext cx="1739264" cy="274319"/>
+            <a:off x="9416542" y="4950840"/>
+            <a:ext cx="947839" cy="274319"/>
           </a:xfrm>
           <a:prstGeom prst="rect">
             <a:avLst/>
@@ -18509,7 +18829,7 @@
       </p:pic>
       <p:pic>
         <p:nvPicPr>
-          <p:cNvPr id="13" name="object 13"/>
+          <p:cNvPr id="12" name="object 12"/>
           <p:cNvPicPr/>
           <p:nvPr/>
         </p:nvPicPr>
@@ -18521,6 +18841,28 @@
         </p:blipFill>
         <p:spPr>
           <a:xfrm>
+            <a:off x="9018778" y="5301360"/>
+            <a:ext cx="1739264" cy="274319"/>
+          </a:xfrm>
+          <a:prstGeom prst="rect">
+            <a:avLst/>
+          </a:prstGeom>
+        </p:spPr>
+      </p:pic>
+      <p:pic>
+        <p:nvPicPr>
+          <p:cNvPr id="13" name="object 13"/>
+          <p:cNvPicPr/>
+          <p:nvPr/>
+        </p:nvPicPr>
+        <p:blipFill>
+          <a:blip r:embed="rId12" cstate="print"/>
+          <a:stretch>
+            <a:fillRect/>
+          </a:stretch>
+        </p:blipFill>
+        <p:spPr>
+          <a:xfrm>
             <a:off x="9270238" y="5651601"/>
             <a:ext cx="1246631" cy="274624"/>
           </a:xfrm>
@@ -18536,7 +18878,7 @@
           <p:nvPr/>
         </p:nvPicPr>
         <p:blipFill>
-          <a:blip r:embed="rId12" cstate="print"/>
+          <a:blip r:embed="rId13" cstate="print"/>
           <a:stretch>
             <a:fillRect/>
           </a:stretch>
@@ -18564,9 +18906,11 @@
         <p:spPr/>
         <p:txBody>
           <a:bodyPr/>
+          <a:lstStyle/>
           <a:p>
             <a:fld id="{B6F15528-21DE-4FAA-801E-634DDDAF4B2B}" type="slidenum">
               <a:rPr/>
+              <a:t>8</a:t>
             </a:fld>
             <a:endParaRPr/>
           </a:p>
@@ -18642,7 +18986,9 @@
         <p:txBody>
           <a:bodyPr wrap="square" lIns="0" tIns="0" rIns="0" bIns="0" rtlCol="0"/>
           <a:lstStyle/>
-          <a:p/>
+          <a:p>
+            <a:endParaRPr/>
+          </a:p>
         </p:txBody>
       </p:sp>
       <p:sp>
@@ -19000,7 +19346,7 @@
           <p:nvPr/>
         </p:nvPicPr>
         <p:blipFill>
-          <a:blip r:embed="rId1" cstate="print"/>
+          <a:blip r:embed="rId2" cstate="print"/>
           <a:stretch>
             <a:fillRect/>
           </a:stretch>
@@ -19025,7 +19371,7 @@
         </p:nvGraphicFramePr>
         <p:xfrm>
           <a:off x="728713" y="4610100"/>
-          <a:ext cx="10533380" cy="1993900"/>
+          <a:ext cx="10514329" cy="1987497"/>
         </p:xfrm>
         <a:graphic>
           <a:graphicData uri="http://schemas.openxmlformats.org/drawingml/2006/table">
@@ -19034,11 +19380,41 @@
                 <a:tableStyleId>{2D5ABB26-0587-4C30-8999-92F81FD0307C}</a:tableStyleId>
               </a:tblPr>
               <a:tblGrid>
-                <a:gridCol w="1089025"/>
-                <a:gridCol w="878839"/>
-                <a:gridCol w="3388360"/>
-                <a:gridCol w="3328670"/>
-                <a:gridCol w="1829435"/>
+                <a:gridCol w="1089025">
+                  <a:extLst>
+                    <a:ext uri="{9D8B030D-6E8A-4147-A177-3AD203B41FA5}">
+                      <a16:colId xmlns:a16="http://schemas.microsoft.com/office/drawing/2014/main" val="20000"/>
+                    </a:ext>
+                  </a:extLst>
+                </a:gridCol>
+                <a:gridCol w="878839">
+                  <a:extLst>
+                    <a:ext uri="{9D8B030D-6E8A-4147-A177-3AD203B41FA5}">
+                      <a16:colId xmlns:a16="http://schemas.microsoft.com/office/drawing/2014/main" val="20001"/>
+                    </a:ext>
+                  </a:extLst>
+                </a:gridCol>
+                <a:gridCol w="3388360">
+                  <a:extLst>
+                    <a:ext uri="{9D8B030D-6E8A-4147-A177-3AD203B41FA5}">
+                      <a16:colId xmlns:a16="http://schemas.microsoft.com/office/drawing/2014/main" val="20002"/>
+                    </a:ext>
+                  </a:extLst>
+                </a:gridCol>
+                <a:gridCol w="3328670">
+                  <a:extLst>
+                    <a:ext uri="{9D8B030D-6E8A-4147-A177-3AD203B41FA5}">
+                      <a16:colId xmlns:a16="http://schemas.microsoft.com/office/drawing/2014/main" val="20003"/>
+                    </a:ext>
+                  </a:extLst>
+                </a:gridCol>
+                <a:gridCol w="1829435">
+                  <a:extLst>
+                    <a:ext uri="{9D8B030D-6E8A-4147-A177-3AD203B41FA5}">
+                      <a16:colId xmlns:a16="http://schemas.microsoft.com/office/drawing/2014/main" val="20004"/>
+                    </a:ext>
+                  </a:extLst>
+                </a:gridCol>
               </a:tblGrid>
               <a:tr h="396239">
                 <a:tc>
@@ -19271,6 +19647,11 @@
                     </a:solidFill>
                   </a:tcPr>
                 </a:tc>
+                <a:extLst>
+                  <a:ext uri="{0D108BD9-81ED-4DB2-BD59-A6C34878D82A}">
+                    <a16:rowId xmlns:a16="http://schemas.microsoft.com/office/drawing/2014/main" val="10000"/>
+                  </a:ext>
+                </a:extLst>
               </a:tr>
               <a:tr h="396240">
                 <a:tc>
@@ -19473,6 +19854,11 @@
                     </a:solidFill>
                   </a:tcPr>
                 </a:tc>
+                <a:extLst>
+                  <a:ext uri="{0D108BD9-81ED-4DB2-BD59-A6C34878D82A}">
+                    <a16:rowId xmlns:a16="http://schemas.microsoft.com/office/drawing/2014/main" val="10001"/>
+                  </a:ext>
+                </a:extLst>
               </a:tr>
               <a:tr h="397814">
                 <a:tc>
@@ -19630,6 +20016,11 @@
                     </a:lnR>
                   </a:tcPr>
                 </a:tc>
+                <a:extLst>
+                  <a:ext uri="{0D108BD9-81ED-4DB2-BD59-A6C34878D82A}">
+                    <a16:rowId xmlns:a16="http://schemas.microsoft.com/office/drawing/2014/main" val="10002"/>
+                  </a:ext>
+                </a:extLst>
               </a:tr>
               <a:tr h="396240">
                 <a:tc>
@@ -19787,6 +20178,11 @@
                     </a:lnR>
                   </a:tcPr>
                 </a:tc>
+                <a:extLst>
+                  <a:ext uri="{0D108BD9-81ED-4DB2-BD59-A6C34878D82A}">
+                    <a16:rowId xmlns:a16="http://schemas.microsoft.com/office/drawing/2014/main" val="10003"/>
+                  </a:ext>
+                </a:extLst>
               </a:tr>
               <a:tr h="400964">
                 <a:tc>
@@ -19944,6 +20340,11 @@
                     </a:lnR>
                   </a:tcPr>
                 </a:tc>
+                <a:extLst>
+                  <a:ext uri="{0D108BD9-81ED-4DB2-BD59-A6C34878D82A}">
+                    <a16:rowId xmlns:a16="http://schemas.microsoft.com/office/drawing/2014/main" val="10004"/>
+                  </a:ext>
+                </a:extLst>
               </a:tr>
             </a:tbl>
           </a:graphicData>
@@ -19986,34 +20387,14 @@
         <p:txBody>
           <a:bodyPr wrap="square" lIns="0" tIns="0" rIns="0" bIns="0" rtlCol="0"/>
           <a:lstStyle/>
-          <a:p/>
+          <a:p>
+            <a:endParaRPr/>
+          </a:p>
         </p:txBody>
       </p:sp>
       <p:pic>
         <p:nvPicPr>
           <p:cNvPr id="7" name="object 7"/>
-          <p:cNvPicPr/>
-          <p:nvPr/>
-        </p:nvPicPr>
-        <p:blipFill>
-          <a:blip r:embed="rId2" cstate="print"/>
-          <a:stretch>
-            <a:fillRect/>
-          </a:stretch>
-        </p:blipFill>
-        <p:spPr>
-          <a:xfrm>
-            <a:off x="953719" y="4663440"/>
-            <a:ext cx="813435" cy="304800"/>
-          </a:xfrm>
-          <a:prstGeom prst="rect">
-            <a:avLst/>
-          </a:prstGeom>
-        </p:spPr>
-      </p:pic>
-      <p:pic>
-        <p:nvPicPr>
-          <p:cNvPr id="8" name="object 8"/>
           <p:cNvPicPr/>
           <p:nvPr/>
         </p:nvPicPr>
@@ -20025,8 +20406,8 @@
         </p:blipFill>
         <p:spPr>
           <a:xfrm>
-            <a:off x="2005838" y="4663440"/>
-            <a:ext cx="643889" cy="304800"/>
+            <a:off x="953719" y="4663440"/>
+            <a:ext cx="813435" cy="304800"/>
           </a:xfrm>
           <a:prstGeom prst="rect">
             <a:avLst/>
@@ -20035,7 +20416,7 @@
       </p:pic>
       <p:pic>
         <p:nvPicPr>
-          <p:cNvPr id="9" name="object 9"/>
+          <p:cNvPr id="8" name="object 8"/>
           <p:cNvPicPr/>
           <p:nvPr/>
         </p:nvPicPr>
@@ -20047,8 +20428,8 @@
         </p:blipFill>
         <p:spPr>
           <a:xfrm>
-            <a:off x="3748785" y="4663440"/>
-            <a:ext cx="1439672" cy="304800"/>
+            <a:off x="2005838" y="4663440"/>
+            <a:ext cx="643889" cy="304800"/>
           </a:xfrm>
           <a:prstGeom prst="rect">
             <a:avLst/>
@@ -20057,7 +20438,7 @@
       </p:pic>
       <p:pic>
         <p:nvPicPr>
-          <p:cNvPr id="10" name="object 10"/>
+          <p:cNvPr id="9" name="object 9"/>
           <p:cNvPicPr/>
           <p:nvPr/>
         </p:nvPicPr>
@@ -20069,6 +20450,28 @@
         </p:blipFill>
         <p:spPr>
           <a:xfrm>
+            <a:off x="3748785" y="4663440"/>
+            <a:ext cx="1439672" cy="304800"/>
+          </a:xfrm>
+          <a:prstGeom prst="rect">
+            <a:avLst/>
+          </a:prstGeom>
+        </p:spPr>
+      </p:pic>
+      <p:pic>
+        <p:nvPicPr>
+          <p:cNvPr id="10" name="object 10"/>
+          <p:cNvPicPr/>
+          <p:nvPr/>
+        </p:nvPicPr>
+        <p:blipFill>
+          <a:blip r:embed="rId6" cstate="print"/>
+          <a:stretch>
+            <a:fillRect/>
+          </a:stretch>
+        </p:blipFill>
+        <p:spPr>
+          <a:xfrm>
             <a:off x="7076820" y="4663440"/>
             <a:ext cx="1510792" cy="304800"/>
           </a:xfrm>
@@ -20084,7 +20487,7 @@
           <p:nvPr/>
         </p:nvPicPr>
         <p:blipFill>
-          <a:blip r:embed="rId6" cstate="print"/>
+          <a:blip r:embed="rId7" cstate="print"/>
           <a:stretch>
             <a:fillRect/>
           </a:stretch>
@@ -20120,7 +20523,7 @@
             <p:nvPr/>
           </p:nvPicPr>
           <p:blipFill>
-            <a:blip r:embed="rId7" cstate="print"/>
+            <a:blip r:embed="rId8" cstate="print"/>
             <a:stretch>
               <a:fillRect/>
             </a:stretch>
@@ -20142,7 +20545,7 @@
             <p:nvPr/>
           </p:nvPicPr>
           <p:blipFill>
-            <a:blip r:embed="rId8" cstate="print"/>
+            <a:blip r:embed="rId9" cstate="print"/>
             <a:stretch>
               <a:fillRect/>
             </a:stretch>
@@ -20164,7 +20567,7 @@
             <p:nvPr/>
           </p:nvPicPr>
           <p:blipFill>
-            <a:blip r:embed="rId9" cstate="print"/>
+            <a:blip r:embed="rId10" cstate="print"/>
             <a:stretch>
               <a:fillRect/>
             </a:stretch>
@@ -20186,7 +20589,7 @@
             <p:nvPr/>
           </p:nvPicPr>
           <p:blipFill>
-            <a:blip r:embed="rId10" cstate="print"/>
+            <a:blip r:embed="rId11" cstate="print"/>
             <a:stretch>
               <a:fillRect/>
             </a:stretch>
@@ -20208,7 +20611,7 @@
             <p:nvPr/>
           </p:nvPicPr>
           <p:blipFill>
-            <a:blip r:embed="rId11" cstate="print"/>
+            <a:blip r:embed="rId12" cstate="print"/>
             <a:stretch>
               <a:fillRect/>
             </a:stretch>
@@ -20230,7 +20633,7 @@
             <p:nvPr/>
           </p:nvPicPr>
           <p:blipFill>
-            <a:blip r:embed="rId12" cstate="print"/>
+            <a:blip r:embed="rId13" cstate="print"/>
             <a:stretch>
               <a:fillRect/>
             </a:stretch>
@@ -20314,7 +20717,9 @@
           <p:txBody>
             <a:bodyPr wrap="square" lIns="0" tIns="0" rIns="0" bIns="0" rtlCol="0"/>
             <a:lstStyle/>
-            <a:p/>
+            <a:p>
+              <a:endParaRPr/>
+            </a:p>
           </p:txBody>
         </p:sp>
       </p:grpSp>
@@ -20325,7 +20730,7 @@
           <p:nvPr/>
         </p:nvPicPr>
         <p:blipFill>
-          <a:blip r:embed="rId13" cstate="print"/>
+          <a:blip r:embed="rId14" cstate="print"/>
           <a:stretch>
             <a:fillRect/>
           </a:stretch>
@@ -20347,7 +20752,7 @@
           <p:nvPr/>
         </p:nvPicPr>
         <p:blipFill>
-          <a:blip r:embed="rId14" cstate="print"/>
+          <a:blip r:embed="rId15" cstate="print"/>
           <a:stretch>
             <a:fillRect/>
           </a:stretch>
@@ -20383,7 +20788,7 @@
             <p:nvPr/>
           </p:nvPicPr>
           <p:blipFill>
-            <a:blip r:embed="rId15" cstate="print"/>
+            <a:blip r:embed="rId16" cstate="print"/>
             <a:stretch>
               <a:fillRect/>
             </a:stretch>
@@ -20405,7 +20810,7 @@
             <p:nvPr/>
           </p:nvPicPr>
           <p:blipFill>
-            <a:blip r:embed="rId16" cstate="print"/>
+            <a:blip r:embed="rId17" cstate="print"/>
             <a:stretch>
               <a:fillRect/>
             </a:stretch>
@@ -20428,7 +20833,7 @@
           <p:nvPr/>
         </p:nvPicPr>
         <p:blipFill>
-          <a:blip r:embed="rId17" cstate="print"/>
+          <a:blip r:embed="rId18" cstate="print"/>
           <a:stretch>
             <a:fillRect/>
           </a:stretch>
@@ -20450,7 +20855,7 @@
           <p:nvPr/>
         </p:nvPicPr>
         <p:blipFill>
-          <a:blip r:embed="rId12" cstate="print"/>
+          <a:blip r:embed="rId13" cstate="print"/>
           <a:stretch>
             <a:fillRect/>
           </a:stretch>
@@ -20472,7 +20877,7 @@
           <p:nvPr/>
         </p:nvPicPr>
         <p:blipFill>
-          <a:blip r:embed="rId18" cstate="print"/>
+          <a:blip r:embed="rId19" cstate="print"/>
           <a:stretch>
             <a:fillRect/>
           </a:stretch>
@@ -20494,7 +20899,7 @@
           <p:nvPr/>
         </p:nvPicPr>
         <p:blipFill>
-          <a:blip r:embed="rId19" cstate="print"/>
+          <a:blip r:embed="rId20" cstate="print"/>
           <a:stretch>
             <a:fillRect/>
           </a:stretch>
@@ -20530,7 +20935,7 @@
             <p:nvPr/>
           </p:nvPicPr>
           <p:blipFill>
-            <a:blip r:embed="rId20" cstate="print"/>
+            <a:blip r:embed="rId21" cstate="print"/>
             <a:stretch>
               <a:fillRect/>
             </a:stretch>
@@ -20552,7 +20957,7 @@
             <p:nvPr/>
           </p:nvPicPr>
           <p:blipFill>
-            <a:blip r:embed="rId21" cstate="print"/>
+            <a:blip r:embed="rId22" cstate="print"/>
             <a:stretch>
               <a:fillRect/>
             </a:stretch>
@@ -20575,7 +20980,7 @@
           <p:nvPr/>
         </p:nvPicPr>
         <p:blipFill>
-          <a:blip r:embed="rId22" cstate="print"/>
+          <a:blip r:embed="rId23" cstate="print"/>
           <a:stretch>
             <a:fillRect/>
           </a:stretch>
@@ -20597,7 +21002,7 @@
           <p:nvPr/>
         </p:nvPicPr>
         <p:blipFill>
-          <a:blip r:embed="rId12" cstate="print"/>
+          <a:blip r:embed="rId13" cstate="print"/>
           <a:stretch>
             <a:fillRect/>
           </a:stretch>
@@ -20615,28 +21020,6 @@
       <p:pic>
         <p:nvPicPr>
           <p:cNvPr id="34" name="object 34"/>
-          <p:cNvPicPr/>
-          <p:nvPr/>
-        </p:nvPicPr>
-        <p:blipFill>
-          <a:blip r:embed="rId23" cstate="print"/>
-          <a:stretch>
-            <a:fillRect/>
-          </a:stretch>
-        </p:blipFill>
-        <p:spPr>
-          <a:xfrm>
-            <a:off x="826617" y="6248704"/>
-            <a:ext cx="712469" cy="304800"/>
-          </a:xfrm>
-          <a:prstGeom prst="rect">
-            <a:avLst/>
-          </a:prstGeom>
-        </p:spPr>
-      </p:pic>
-      <p:pic>
-        <p:nvPicPr>
-          <p:cNvPr id="35" name="object 35"/>
           <p:cNvPicPr/>
           <p:nvPr/>
         </p:nvPicPr>
@@ -20648,8 +21031,8 @@
         </p:blipFill>
         <p:spPr>
           <a:xfrm>
-            <a:off x="2269489" y="6248704"/>
-            <a:ext cx="434086" cy="304800"/>
+            <a:off x="826617" y="6248704"/>
+            <a:ext cx="712469" cy="304800"/>
           </a:xfrm>
           <a:prstGeom prst="rect">
             <a:avLst/>
@@ -20658,7 +21041,7 @@
       </p:pic>
       <p:pic>
         <p:nvPicPr>
-          <p:cNvPr id="36" name="object 36"/>
+          <p:cNvPr id="35" name="object 35"/>
           <p:cNvPicPr/>
           <p:nvPr/>
         </p:nvPicPr>
@@ -20670,8 +21053,8 @@
         </p:blipFill>
         <p:spPr>
           <a:xfrm>
-            <a:off x="2951352" y="6248704"/>
-            <a:ext cx="3140075" cy="304800"/>
+            <a:off x="2269489" y="6248704"/>
+            <a:ext cx="434086" cy="304800"/>
           </a:xfrm>
           <a:prstGeom prst="rect">
             <a:avLst/>
@@ -20680,7 +21063,7 @@
       </p:pic>
       <p:pic>
         <p:nvPicPr>
-          <p:cNvPr id="37" name="object 37"/>
+          <p:cNvPr id="36" name="object 36"/>
           <p:cNvPicPr/>
           <p:nvPr/>
         </p:nvPicPr>
@@ -20692,6 +21075,28 @@
         </p:blipFill>
         <p:spPr>
           <a:xfrm>
+            <a:off x="2831832" y="6248704"/>
+            <a:ext cx="3259595" cy="304800"/>
+          </a:xfrm>
+          <a:prstGeom prst="rect">
+            <a:avLst/>
+          </a:prstGeom>
+        </p:spPr>
+      </p:pic>
+      <p:pic>
+        <p:nvPicPr>
+          <p:cNvPr id="37" name="object 37"/>
+          <p:cNvPicPr/>
+          <p:nvPr/>
+        </p:nvPicPr>
+        <p:blipFill>
+          <a:blip r:embed="rId27" cstate="print"/>
+          <a:stretch>
+            <a:fillRect/>
+          </a:stretch>
+        </p:blipFill>
+        <p:spPr>
+          <a:xfrm>
             <a:off x="6292850" y="6248704"/>
             <a:ext cx="3126994" cy="304800"/>
           </a:xfrm>
@@ -20707,7 +21112,7 @@
           <p:nvPr/>
         </p:nvPicPr>
         <p:blipFill>
-          <a:blip r:embed="rId27" cstate="print"/>
+          <a:blip r:embed="rId28" cstate="print"/>
           <a:stretch>
             <a:fillRect/>
           </a:stretch>
@@ -20735,9 +21140,11 @@
         <p:spPr/>
         <p:txBody>
           <a:bodyPr/>
+          <a:lstStyle/>
           <a:p>
             <a:fld id="{B6F15528-21DE-4FAA-801E-634DDDAF4B2B}" type="slidenum">
               <a:rPr/>
+              <a:t>9</a:t>
             </a:fld>
             <a:endParaRPr/>
           </a:p>
@@ -21029,6 +21436,8 @@
       </a:bgFillStyleLst>
     </a:fmtScheme>
   </a:themeElements>
+  <a:objectDefaults/>
+  <a:extraClrSchemeLst/>
   <a:extLst>
     <a:ext uri="{05A4C25C-085E-4340-85A3-A5531E510DB2}">
       <thm15:themeFamily xmlns:thm15="http://schemas.microsoft.com/office/thememl/2012/main" name="Office Theme" id="{62F939B6-93AF-4DB8-9C6B-D6C7DFDC589F}" vid="{4A3C46E8-61CC-4603-A589-7422A47A8E4A}"/>
@@ -21288,6 +21697,8 @@
       </a:bgFillStyleLst>
     </a:fmtScheme>
   </a:themeElements>
+  <a:objectDefaults/>
+  <a:extraClrSchemeLst/>
   <a:extLst>
     <a:ext uri="{05A4C25C-085E-4340-85A3-A5531E510DB2}">
       <thm15:themeFamily xmlns:thm15="http://schemas.microsoft.com/office/thememl/2012/main" name="Office Theme" id="{62F939B6-93AF-4DB8-9C6B-D6C7DFDC589F}" vid="{4A3C46E8-61CC-4603-A589-7422A47A8E4A}"/>
